--- a/presentatie.pptx
+++ b/presentatie.pptx
@@ -4,15 +4,16 @@
   <p:sldMasterIdLst>
     <p:sldMasterId id="2147483648" r:id="rId2"/>
     <p:sldMasterId id="2147483661" r:id="rId3"/>
+    <p:sldMasterId id="2147483674" r:id="rId4"/>
   </p:sldMasterIdLst>
   <p:sldIdLst>
-    <p:sldId id="256" r:id="rId4"/>
-    <p:sldId id="257" r:id="rId5"/>
-    <p:sldId id="258" r:id="rId6"/>
-    <p:sldId id="259" r:id="rId7"/>
-    <p:sldId id="260" r:id="rId8"/>
-    <p:sldId id="261" r:id="rId9"/>
-    <p:sldId id="262" r:id="rId10"/>
+    <p:sldId id="256" r:id="rId5"/>
+    <p:sldId id="257" r:id="rId6"/>
+    <p:sldId id="258" r:id="rId7"/>
+    <p:sldId id="259" r:id="rId8"/>
+    <p:sldId id="260" r:id="rId9"/>
+    <p:sldId id="261" r:id="rId10"/>
+    <p:sldId id="262" r:id="rId11"/>
   </p:sldIdLst>
   <p:sldSz cx="10080625" cy="7559675"/>
   <p:notesSz cx="7559675" cy="10691812"/>
@@ -71,7 +72,7 @@
         <p:spPr>
           <a:xfrm>
             <a:off x="504000" y="301320"/>
-            <a:ext cx="9071280" cy="1262520"/>
+            <a:ext cx="9072000" cy="1262160"/>
           </a:xfrm>
           <a:prstGeom prst="rect">
             <a:avLst/>
@@ -97,8 +98,8 @@
         </p:nvSpPr>
         <p:spPr>
           <a:xfrm>
-            <a:off x="504000" y="1769040"/>
-            <a:ext cx="9071280" cy="2090880"/>
+            <a:off x="504000" y="1768680"/>
+            <a:ext cx="9072000" cy="2090880"/>
           </a:xfrm>
           <a:prstGeom prst="rect">
             <a:avLst/>
@@ -123,8 +124,8 @@
         </p:nvSpPr>
         <p:spPr>
           <a:xfrm>
-            <a:off x="504000" y="4059000"/>
-            <a:ext cx="9071280" cy="2090880"/>
+            <a:off x="504000" y="4058640"/>
+            <a:ext cx="9072000" cy="2090880"/>
           </a:xfrm>
           <a:prstGeom prst="rect">
             <a:avLst/>
@@ -172,7 +173,7 @@
         <p:spPr>
           <a:xfrm>
             <a:off x="504000" y="301320"/>
-            <a:ext cx="9071280" cy="1262520"/>
+            <a:ext cx="9072000" cy="1262160"/>
           </a:xfrm>
           <a:prstGeom prst="rect">
             <a:avLst/>
@@ -198,8 +199,8 @@
         </p:nvSpPr>
         <p:spPr>
           <a:xfrm>
-            <a:off x="504000" y="1769040"/>
-            <a:ext cx="4426560" cy="2090880"/>
+            <a:off x="504000" y="1768680"/>
+            <a:ext cx="4426920" cy="2090880"/>
           </a:xfrm>
           <a:prstGeom prst="rect">
             <a:avLst/>
@@ -224,8 +225,8 @@
         </p:nvSpPr>
         <p:spPr>
           <a:xfrm>
-            <a:off x="5152320" y="1769040"/>
-            <a:ext cx="4426560" cy="2090880"/>
+            <a:off x="5152680" y="1768680"/>
+            <a:ext cx="4426920" cy="2090880"/>
           </a:xfrm>
           <a:prstGeom prst="rect">
             <a:avLst/>
@@ -250,8 +251,8 @@
         </p:nvSpPr>
         <p:spPr>
           <a:xfrm>
-            <a:off x="5152320" y="4059000"/>
-            <a:ext cx="4426560" cy="2090880"/>
+            <a:off x="5152680" y="4058640"/>
+            <a:ext cx="4426920" cy="2090880"/>
           </a:xfrm>
           <a:prstGeom prst="rect">
             <a:avLst/>
@@ -276,8 +277,8 @@
         </p:nvSpPr>
         <p:spPr>
           <a:xfrm>
-            <a:off x="504000" y="4059000"/>
-            <a:ext cx="4426560" cy="2090880"/>
+            <a:off x="504000" y="4058640"/>
+            <a:ext cx="4426920" cy="2090880"/>
           </a:xfrm>
           <a:prstGeom prst="rect">
             <a:avLst/>
@@ -325,7 +326,7 @@
         <p:spPr>
           <a:xfrm>
             <a:off x="504000" y="301320"/>
-            <a:ext cx="9071280" cy="1262520"/>
+            <a:ext cx="9072000" cy="1262160"/>
           </a:xfrm>
           <a:prstGeom prst="rect">
             <a:avLst/>
@@ -351,8 +352,8 @@
         </p:nvSpPr>
         <p:spPr>
           <a:xfrm>
-            <a:off x="504000" y="1769040"/>
-            <a:ext cx="9071280" cy="4383720"/>
+            <a:off x="504000" y="1768680"/>
+            <a:ext cx="9072000" cy="4384080"/>
           </a:xfrm>
           <a:prstGeom prst="rect">
             <a:avLst/>
@@ -377,8 +378,8 @@
         </p:nvSpPr>
         <p:spPr>
           <a:xfrm>
-            <a:off x="504000" y="1769040"/>
-            <a:ext cx="9071280" cy="4383720"/>
+            <a:off x="504000" y="1768680"/>
+            <a:ext cx="9072000" cy="4384080"/>
           </a:xfrm>
           <a:prstGeom prst="rect">
             <a:avLst/>
@@ -406,7 +407,7 @@
         <p:spPr>
           <a:xfrm>
             <a:off x="2292480" y="1768680"/>
-            <a:ext cx="5494320" cy="4383720"/>
+            <a:ext cx="5494680" cy="4384080"/>
           </a:xfrm>
           <a:prstGeom prst="rect">
             <a:avLst/>
@@ -431,7 +432,7 @@
         <p:spPr>
           <a:xfrm>
             <a:off x="2292480" y="1768680"/>
-            <a:ext cx="5494320" cy="4383720"/>
+            <a:ext cx="5494680" cy="4384080"/>
           </a:xfrm>
           <a:prstGeom prst="rect">
             <a:avLst/>
@@ -498,7 +499,7 @@
         <p:spPr>
           <a:xfrm>
             <a:off x="504000" y="301320"/>
-            <a:ext cx="9071280" cy="1262520"/>
+            <a:ext cx="9072000" cy="1262160"/>
           </a:xfrm>
           <a:prstGeom prst="rect">
             <a:avLst/>
@@ -524,8 +525,8 @@
         </p:nvSpPr>
         <p:spPr>
           <a:xfrm>
-            <a:off x="504000" y="1769040"/>
-            <a:ext cx="9071280" cy="4384080"/>
+            <a:off x="504000" y="1768680"/>
+            <a:ext cx="9072000" cy="4384440"/>
           </a:xfrm>
           <a:prstGeom prst="rect">
             <a:avLst/>
@@ -574,7 +575,7 @@
         <p:spPr>
           <a:xfrm>
             <a:off x="504000" y="301320"/>
-            <a:ext cx="9071280" cy="1262520"/>
+            <a:ext cx="9072000" cy="1262160"/>
           </a:xfrm>
           <a:prstGeom prst="rect">
             <a:avLst/>
@@ -600,8 +601,8 @@
         </p:nvSpPr>
         <p:spPr>
           <a:xfrm>
-            <a:off x="504000" y="1769040"/>
-            <a:ext cx="9071280" cy="4383720"/>
+            <a:off x="504000" y="1768680"/>
+            <a:ext cx="9072000" cy="4384080"/>
           </a:xfrm>
           <a:prstGeom prst="rect">
             <a:avLst/>
@@ -649,7 +650,7 @@
         <p:spPr>
           <a:xfrm>
             <a:off x="504000" y="301320"/>
-            <a:ext cx="9071280" cy="1262520"/>
+            <a:ext cx="9072000" cy="1262160"/>
           </a:xfrm>
           <a:prstGeom prst="rect">
             <a:avLst/>
@@ -675,8 +676,8 @@
         </p:nvSpPr>
         <p:spPr>
           <a:xfrm>
-            <a:off x="504000" y="1769040"/>
-            <a:ext cx="4426560" cy="4383720"/>
+            <a:off x="504000" y="1768680"/>
+            <a:ext cx="4426920" cy="4384080"/>
           </a:xfrm>
           <a:prstGeom prst="rect">
             <a:avLst/>
@@ -701,8 +702,8 @@
         </p:nvSpPr>
         <p:spPr>
           <a:xfrm>
-            <a:off x="5152320" y="1769040"/>
-            <a:ext cx="4426560" cy="4383720"/>
+            <a:off x="5152680" y="1768680"/>
+            <a:ext cx="4426920" cy="4384080"/>
           </a:xfrm>
           <a:prstGeom prst="rect">
             <a:avLst/>
@@ -750,7 +751,7 @@
         <p:spPr>
           <a:xfrm>
             <a:off x="504000" y="301320"/>
-            <a:ext cx="9071280" cy="1262520"/>
+            <a:ext cx="9072000" cy="1262160"/>
           </a:xfrm>
           <a:prstGeom prst="rect">
             <a:avLst/>
@@ -799,7 +800,7 @@
         <p:spPr>
           <a:xfrm>
             <a:off x="504000" y="301320"/>
-            <a:ext cx="9071280" cy="5852160"/>
+            <a:ext cx="9072000" cy="5850720"/>
           </a:xfrm>
           <a:prstGeom prst="rect">
             <a:avLst/>
@@ -848,7 +849,7 @@
         <p:spPr>
           <a:xfrm>
             <a:off x="504000" y="301320"/>
-            <a:ext cx="9071280" cy="1262520"/>
+            <a:ext cx="9072000" cy="1262160"/>
           </a:xfrm>
           <a:prstGeom prst="rect">
             <a:avLst/>
@@ -874,8 +875,8 @@
         </p:nvSpPr>
         <p:spPr>
           <a:xfrm>
-            <a:off x="504000" y="1769040"/>
-            <a:ext cx="4426560" cy="2090880"/>
+            <a:off x="504000" y="1768680"/>
+            <a:ext cx="4426920" cy="2090880"/>
           </a:xfrm>
           <a:prstGeom prst="rect">
             <a:avLst/>
@@ -900,8 +901,8 @@
         </p:nvSpPr>
         <p:spPr>
           <a:xfrm>
-            <a:off x="504000" y="4059000"/>
-            <a:ext cx="4426560" cy="2090880"/>
+            <a:off x="504000" y="4058640"/>
+            <a:ext cx="4426920" cy="2090880"/>
           </a:xfrm>
           <a:prstGeom prst="rect">
             <a:avLst/>
@@ -926,8 +927,8 @@
         </p:nvSpPr>
         <p:spPr>
           <a:xfrm>
-            <a:off x="5152320" y="1769040"/>
-            <a:ext cx="4426560" cy="4383720"/>
+            <a:off x="5152680" y="1768680"/>
+            <a:ext cx="4426920" cy="4384080"/>
           </a:xfrm>
           <a:prstGeom prst="rect">
             <a:avLst/>
@@ -975,7 +976,7 @@
         <p:spPr>
           <a:xfrm>
             <a:off x="504000" y="301320"/>
-            <a:ext cx="9071280" cy="1262520"/>
+            <a:ext cx="9072000" cy="1262160"/>
           </a:xfrm>
           <a:prstGeom prst="rect">
             <a:avLst/>
@@ -1001,8 +1002,8 @@
         </p:nvSpPr>
         <p:spPr>
           <a:xfrm>
-            <a:off x="504000" y="1769040"/>
-            <a:ext cx="9071280" cy="4384080"/>
+            <a:off x="504000" y="1768680"/>
+            <a:ext cx="9072000" cy="4384440"/>
           </a:xfrm>
           <a:prstGeom prst="rect">
             <a:avLst/>
@@ -1051,7 +1052,7 @@
         <p:spPr>
           <a:xfrm>
             <a:off x="504000" y="301320"/>
-            <a:ext cx="9071280" cy="1262520"/>
+            <a:ext cx="9072000" cy="1262160"/>
           </a:xfrm>
           <a:prstGeom prst="rect">
             <a:avLst/>
@@ -1077,8 +1078,8 @@
         </p:nvSpPr>
         <p:spPr>
           <a:xfrm>
-            <a:off x="504000" y="1769040"/>
-            <a:ext cx="4426560" cy="4383720"/>
+            <a:off x="504000" y="1768680"/>
+            <a:ext cx="4426920" cy="4384080"/>
           </a:xfrm>
           <a:prstGeom prst="rect">
             <a:avLst/>
@@ -1103,8 +1104,8 @@
         </p:nvSpPr>
         <p:spPr>
           <a:xfrm>
-            <a:off x="5152320" y="1769040"/>
-            <a:ext cx="4426560" cy="2090880"/>
+            <a:off x="5152680" y="1768680"/>
+            <a:ext cx="4426920" cy="2090880"/>
           </a:xfrm>
           <a:prstGeom prst="rect">
             <a:avLst/>
@@ -1129,8 +1130,8 @@
         </p:nvSpPr>
         <p:spPr>
           <a:xfrm>
-            <a:off x="5152320" y="4059000"/>
-            <a:ext cx="4426560" cy="2090880"/>
+            <a:off x="5152680" y="4058640"/>
+            <a:ext cx="4426920" cy="2090880"/>
           </a:xfrm>
           <a:prstGeom prst="rect">
             <a:avLst/>
@@ -1178,7 +1179,7 @@
         <p:spPr>
           <a:xfrm>
             <a:off x="504000" y="301320"/>
-            <a:ext cx="9071280" cy="1262520"/>
+            <a:ext cx="9072000" cy="1262160"/>
           </a:xfrm>
           <a:prstGeom prst="rect">
             <a:avLst/>
@@ -1204,8 +1205,8 @@
         </p:nvSpPr>
         <p:spPr>
           <a:xfrm>
-            <a:off x="504000" y="1769040"/>
-            <a:ext cx="4426560" cy="2090880"/>
+            <a:off x="504000" y="1768680"/>
+            <a:ext cx="4426920" cy="2090880"/>
           </a:xfrm>
           <a:prstGeom prst="rect">
             <a:avLst/>
@@ -1230,8 +1231,8 @@
         </p:nvSpPr>
         <p:spPr>
           <a:xfrm>
-            <a:off x="5152320" y="1769040"/>
-            <a:ext cx="4426560" cy="2090880"/>
+            <a:off x="5152680" y="1768680"/>
+            <a:ext cx="4426920" cy="2090880"/>
           </a:xfrm>
           <a:prstGeom prst="rect">
             <a:avLst/>
@@ -1256,8 +1257,8 @@
         </p:nvSpPr>
         <p:spPr>
           <a:xfrm>
-            <a:off x="504000" y="4059000"/>
-            <a:ext cx="9071280" cy="2090880"/>
+            <a:off x="504000" y="4058640"/>
+            <a:ext cx="9072000" cy="2090880"/>
           </a:xfrm>
           <a:prstGeom prst="rect">
             <a:avLst/>
@@ -1305,7 +1306,7 @@
         <p:spPr>
           <a:xfrm>
             <a:off x="504000" y="301320"/>
-            <a:ext cx="9071280" cy="1262520"/>
+            <a:ext cx="9072000" cy="1262160"/>
           </a:xfrm>
           <a:prstGeom prst="rect">
             <a:avLst/>
@@ -1331,8 +1332,8 @@
         </p:nvSpPr>
         <p:spPr>
           <a:xfrm>
-            <a:off x="504000" y="1769040"/>
-            <a:ext cx="9071280" cy="2090880"/>
+            <a:off x="504000" y="1768680"/>
+            <a:ext cx="9072000" cy="2090880"/>
           </a:xfrm>
           <a:prstGeom prst="rect">
             <a:avLst/>
@@ -1357,8 +1358,8 @@
         </p:nvSpPr>
         <p:spPr>
           <a:xfrm>
-            <a:off x="504000" y="4059000"/>
-            <a:ext cx="9071280" cy="2090880"/>
+            <a:off x="504000" y="4058640"/>
+            <a:ext cx="9072000" cy="2090880"/>
           </a:xfrm>
           <a:prstGeom prst="rect">
             <a:avLst/>
@@ -1406,7 +1407,7 @@
         <p:spPr>
           <a:xfrm>
             <a:off x="504000" y="301320"/>
-            <a:ext cx="9071280" cy="1262520"/>
+            <a:ext cx="9072000" cy="1262160"/>
           </a:xfrm>
           <a:prstGeom prst="rect">
             <a:avLst/>
@@ -1432,8 +1433,8 @@
         </p:nvSpPr>
         <p:spPr>
           <a:xfrm>
-            <a:off x="504000" y="1769040"/>
-            <a:ext cx="4426560" cy="2090880"/>
+            <a:off x="504000" y="1768680"/>
+            <a:ext cx="4426920" cy="2090880"/>
           </a:xfrm>
           <a:prstGeom prst="rect">
             <a:avLst/>
@@ -1458,8 +1459,8 @@
         </p:nvSpPr>
         <p:spPr>
           <a:xfrm>
-            <a:off x="5152320" y="1769040"/>
-            <a:ext cx="4426560" cy="2090880"/>
+            <a:off x="5152680" y="1768680"/>
+            <a:ext cx="4426920" cy="2090880"/>
           </a:xfrm>
           <a:prstGeom prst="rect">
             <a:avLst/>
@@ -1484,8 +1485,8 @@
         </p:nvSpPr>
         <p:spPr>
           <a:xfrm>
-            <a:off x="5152320" y="4059000"/>
-            <a:ext cx="4426560" cy="2090880"/>
+            <a:off x="5152680" y="4058640"/>
+            <a:ext cx="4426920" cy="2090880"/>
           </a:xfrm>
           <a:prstGeom prst="rect">
             <a:avLst/>
@@ -1510,8 +1511,8 @@
         </p:nvSpPr>
         <p:spPr>
           <a:xfrm>
-            <a:off x="504000" y="4059000"/>
-            <a:ext cx="4426560" cy="2090880"/>
+            <a:off x="504000" y="4058640"/>
+            <a:ext cx="4426920" cy="2090880"/>
           </a:xfrm>
           <a:prstGeom prst="rect">
             <a:avLst/>
@@ -1559,7 +1560,7 @@
         <p:spPr>
           <a:xfrm>
             <a:off x="504000" y="301320"/>
-            <a:ext cx="9071280" cy="1262520"/>
+            <a:ext cx="9072000" cy="1262160"/>
           </a:xfrm>
           <a:prstGeom prst="rect">
             <a:avLst/>
@@ -1585,8 +1586,8 @@
         </p:nvSpPr>
         <p:spPr>
           <a:xfrm>
-            <a:off x="504000" y="1769040"/>
-            <a:ext cx="9071280" cy="4383720"/>
+            <a:off x="504000" y="1768680"/>
+            <a:ext cx="9072000" cy="4384080"/>
           </a:xfrm>
           <a:prstGeom prst="rect">
             <a:avLst/>
@@ -1611,8 +1612,8 @@
         </p:nvSpPr>
         <p:spPr>
           <a:xfrm>
-            <a:off x="504000" y="1769040"/>
-            <a:ext cx="9071280" cy="4383720"/>
+            <a:off x="504000" y="1768680"/>
+            <a:ext cx="9072000" cy="4384080"/>
           </a:xfrm>
           <a:prstGeom prst="rect">
             <a:avLst/>
@@ -1640,7 +1641,7 @@
         <p:spPr>
           <a:xfrm>
             <a:off x="2292480" y="1768680"/>
-            <a:ext cx="5494320" cy="4383720"/>
+            <a:ext cx="5494680" cy="4384080"/>
           </a:xfrm>
           <a:prstGeom prst="rect">
             <a:avLst/>
@@ -1665,7 +1666,7 @@
         <p:spPr>
           <a:xfrm>
             <a:off x="2292480" y="1768680"/>
-            <a:ext cx="5494320" cy="4383720"/>
+            <a:ext cx="5494680" cy="4384080"/>
           </a:xfrm>
           <a:prstGeom prst="rect">
             <a:avLst/>
@@ -1675,6 +1676,329 @@
           </a:ln>
         </p:spPr>
       </p:pic>
+    </p:spTree>
+  </p:cSld>
+</p:sldLayout>
+</file>
+
+<file path=ppt/slideLayouts/slideLayout25.xml><?xml version="1.0" encoding="utf-8"?>
+<p:sldLayout xmlns:a="http://schemas.openxmlformats.org/drawingml/2006/main" xmlns:p="http://schemas.openxmlformats.org/presentationml/2006/main" xmlns:r="http://schemas.openxmlformats.org/officeDocument/2006/relationships" type="blank" preserve="1">
+  <p:cSld name="Blank Slide">
+    <p:spTree>
+      <p:nvGrpSpPr>
+        <p:cNvPr id="1" name=""/>
+        <p:cNvGrpSpPr/>
+        <p:nvPr/>
+      </p:nvGrpSpPr>
+      <p:grpSpPr>
+        <a:xfrm>
+          <a:off x="0" y="0"/>
+          <a:ext cx="0" cy="0"/>
+          <a:chOff x="0" y="0"/>
+          <a:chExt cx="0" cy="0"/>
+        </a:xfrm>
+      </p:grpSpPr>
+    </p:spTree>
+  </p:cSld>
+</p:sldLayout>
+</file>
+
+<file path=ppt/slideLayouts/slideLayout26.xml><?xml version="1.0" encoding="utf-8"?>
+<p:sldLayout xmlns:a="http://schemas.openxmlformats.org/drawingml/2006/main" xmlns:p="http://schemas.openxmlformats.org/presentationml/2006/main" xmlns:r="http://schemas.openxmlformats.org/officeDocument/2006/relationships" type="tx" preserve="1">
+  <p:cSld name="Title Slide">
+    <p:spTree>
+      <p:nvGrpSpPr>
+        <p:cNvPr id="1" name=""/>
+        <p:cNvGrpSpPr/>
+        <p:nvPr/>
+      </p:nvGrpSpPr>
+      <p:grpSpPr>
+        <a:xfrm>
+          <a:off x="0" y="0"/>
+          <a:ext cx="0" cy="0"/>
+          <a:chOff x="0" y="0"/>
+          <a:chExt cx="0" cy="0"/>
+        </a:xfrm>
+      </p:grpSpPr>
+      <p:sp>
+        <p:nvSpPr>
+          <p:cNvPr id="75" name="PlaceHolder 1"/>
+          <p:cNvSpPr>
+            <a:spLocks noGrp="1"/>
+          </p:cNvSpPr>
+          <p:nvPr>
+            <p:ph type="title"/>
+          </p:nvPr>
+        </p:nvSpPr>
+        <p:spPr>
+          <a:xfrm>
+            <a:off x="504000" y="301320"/>
+            <a:ext cx="9072000" cy="1262160"/>
+          </a:xfrm>
+          <a:prstGeom prst="rect">
+            <a:avLst/>
+          </a:prstGeom>
+        </p:spPr>
+        <p:txBody>
+          <a:bodyPr lIns="0" rIns="0" tIns="0" bIns="0" anchor="ctr"/>
+          <a:p>
+            <a:pPr algn="ctr"/>
+            <a:endParaRPr/>
+          </a:p>
+        </p:txBody>
+      </p:sp>
+      <p:sp>
+        <p:nvSpPr>
+          <p:cNvPr id="76" name="PlaceHolder 2"/>
+          <p:cNvSpPr>
+            <a:spLocks noGrp="1"/>
+          </p:cNvSpPr>
+          <p:nvPr>
+            <p:ph type="subTitle"/>
+          </p:nvPr>
+        </p:nvSpPr>
+        <p:spPr>
+          <a:xfrm>
+            <a:off x="504000" y="1768680"/>
+            <a:ext cx="9072000" cy="4384440"/>
+          </a:xfrm>
+          <a:prstGeom prst="rect">
+            <a:avLst/>
+          </a:prstGeom>
+        </p:spPr>
+        <p:txBody>
+          <a:bodyPr lIns="0" rIns="0" tIns="0" bIns="0" anchor="ctr"/>
+          <a:p>
+            <a:pPr algn="ctr"/>
+            <a:endParaRPr/>
+          </a:p>
+        </p:txBody>
+      </p:sp>
+    </p:spTree>
+  </p:cSld>
+</p:sldLayout>
+</file>
+
+<file path=ppt/slideLayouts/slideLayout27.xml><?xml version="1.0" encoding="utf-8"?>
+<p:sldLayout xmlns:a="http://schemas.openxmlformats.org/drawingml/2006/main" xmlns:p="http://schemas.openxmlformats.org/presentationml/2006/main" xmlns:r="http://schemas.openxmlformats.org/officeDocument/2006/relationships" type="obj" preserve="1">
+  <p:cSld name="Title, Content">
+    <p:spTree>
+      <p:nvGrpSpPr>
+        <p:cNvPr id="1" name=""/>
+        <p:cNvGrpSpPr/>
+        <p:nvPr/>
+      </p:nvGrpSpPr>
+      <p:grpSpPr>
+        <a:xfrm>
+          <a:off x="0" y="0"/>
+          <a:ext cx="0" cy="0"/>
+          <a:chOff x="0" y="0"/>
+          <a:chExt cx="0" cy="0"/>
+        </a:xfrm>
+      </p:grpSpPr>
+      <p:sp>
+        <p:nvSpPr>
+          <p:cNvPr id="77" name="PlaceHolder 1"/>
+          <p:cNvSpPr>
+            <a:spLocks noGrp="1"/>
+          </p:cNvSpPr>
+          <p:nvPr>
+            <p:ph type="title"/>
+          </p:nvPr>
+        </p:nvSpPr>
+        <p:spPr>
+          <a:xfrm>
+            <a:off x="504000" y="301320"/>
+            <a:ext cx="9072000" cy="1262160"/>
+          </a:xfrm>
+          <a:prstGeom prst="rect">
+            <a:avLst/>
+          </a:prstGeom>
+        </p:spPr>
+        <p:txBody>
+          <a:bodyPr lIns="0" rIns="0" tIns="0" bIns="0" anchor="ctr"/>
+          <a:p>
+            <a:pPr algn="ctr"/>
+            <a:endParaRPr/>
+          </a:p>
+        </p:txBody>
+      </p:sp>
+      <p:sp>
+        <p:nvSpPr>
+          <p:cNvPr id="78" name="PlaceHolder 2"/>
+          <p:cNvSpPr>
+            <a:spLocks noGrp="1"/>
+          </p:cNvSpPr>
+          <p:nvPr>
+            <p:ph type="body"/>
+          </p:nvPr>
+        </p:nvSpPr>
+        <p:spPr>
+          <a:xfrm>
+            <a:off x="504000" y="1768680"/>
+            <a:ext cx="9072000" cy="4384080"/>
+          </a:xfrm>
+          <a:prstGeom prst="rect">
+            <a:avLst/>
+          </a:prstGeom>
+        </p:spPr>
+        <p:txBody>
+          <a:bodyPr lIns="0" rIns="0" tIns="0" bIns="0"/>
+          <a:p>
+            <a:endParaRPr/>
+          </a:p>
+        </p:txBody>
+      </p:sp>
+    </p:spTree>
+  </p:cSld>
+</p:sldLayout>
+</file>
+
+<file path=ppt/slideLayouts/slideLayout28.xml><?xml version="1.0" encoding="utf-8"?>
+<p:sldLayout xmlns:a="http://schemas.openxmlformats.org/drawingml/2006/main" xmlns:p="http://schemas.openxmlformats.org/presentationml/2006/main" xmlns:r="http://schemas.openxmlformats.org/officeDocument/2006/relationships" type="twoObj" preserve="1">
+  <p:cSld name="Title, 2 Content">
+    <p:spTree>
+      <p:nvGrpSpPr>
+        <p:cNvPr id="1" name=""/>
+        <p:cNvGrpSpPr/>
+        <p:nvPr/>
+      </p:nvGrpSpPr>
+      <p:grpSpPr>
+        <a:xfrm>
+          <a:off x="0" y="0"/>
+          <a:ext cx="0" cy="0"/>
+          <a:chOff x="0" y="0"/>
+          <a:chExt cx="0" cy="0"/>
+        </a:xfrm>
+      </p:grpSpPr>
+      <p:sp>
+        <p:nvSpPr>
+          <p:cNvPr id="79" name="PlaceHolder 1"/>
+          <p:cNvSpPr>
+            <a:spLocks noGrp="1"/>
+          </p:cNvSpPr>
+          <p:nvPr>
+            <p:ph type="title"/>
+          </p:nvPr>
+        </p:nvSpPr>
+        <p:spPr>
+          <a:xfrm>
+            <a:off x="504000" y="301320"/>
+            <a:ext cx="9072000" cy="1262160"/>
+          </a:xfrm>
+          <a:prstGeom prst="rect">
+            <a:avLst/>
+          </a:prstGeom>
+        </p:spPr>
+        <p:txBody>
+          <a:bodyPr lIns="0" rIns="0" tIns="0" bIns="0" anchor="ctr"/>
+          <a:p>
+            <a:pPr algn="ctr"/>
+            <a:endParaRPr/>
+          </a:p>
+        </p:txBody>
+      </p:sp>
+      <p:sp>
+        <p:nvSpPr>
+          <p:cNvPr id="80" name="PlaceHolder 2"/>
+          <p:cNvSpPr>
+            <a:spLocks noGrp="1"/>
+          </p:cNvSpPr>
+          <p:nvPr>
+            <p:ph type="body"/>
+          </p:nvPr>
+        </p:nvSpPr>
+        <p:spPr>
+          <a:xfrm>
+            <a:off x="504000" y="1768680"/>
+            <a:ext cx="4426920" cy="4384080"/>
+          </a:xfrm>
+          <a:prstGeom prst="rect">
+            <a:avLst/>
+          </a:prstGeom>
+        </p:spPr>
+        <p:txBody>
+          <a:bodyPr lIns="0" rIns="0" tIns="0" bIns="0"/>
+          <a:p>
+            <a:endParaRPr/>
+          </a:p>
+        </p:txBody>
+      </p:sp>
+      <p:sp>
+        <p:nvSpPr>
+          <p:cNvPr id="81" name="PlaceHolder 3"/>
+          <p:cNvSpPr>
+            <a:spLocks noGrp="1"/>
+          </p:cNvSpPr>
+          <p:nvPr>
+            <p:ph type="body"/>
+          </p:nvPr>
+        </p:nvSpPr>
+        <p:spPr>
+          <a:xfrm>
+            <a:off x="5152680" y="1768680"/>
+            <a:ext cx="4426920" cy="4384080"/>
+          </a:xfrm>
+          <a:prstGeom prst="rect">
+            <a:avLst/>
+          </a:prstGeom>
+        </p:spPr>
+        <p:txBody>
+          <a:bodyPr lIns="0" rIns="0" tIns="0" bIns="0"/>
+          <a:p>
+            <a:endParaRPr/>
+          </a:p>
+        </p:txBody>
+      </p:sp>
+    </p:spTree>
+  </p:cSld>
+</p:sldLayout>
+</file>
+
+<file path=ppt/slideLayouts/slideLayout29.xml><?xml version="1.0" encoding="utf-8"?>
+<p:sldLayout xmlns:a="http://schemas.openxmlformats.org/drawingml/2006/main" xmlns:p="http://schemas.openxmlformats.org/presentationml/2006/main" xmlns:r="http://schemas.openxmlformats.org/officeDocument/2006/relationships" type="titleOnly" preserve="1">
+  <p:cSld name="Title Only">
+    <p:spTree>
+      <p:nvGrpSpPr>
+        <p:cNvPr id="1" name=""/>
+        <p:cNvGrpSpPr/>
+        <p:nvPr/>
+      </p:nvGrpSpPr>
+      <p:grpSpPr>
+        <a:xfrm>
+          <a:off x="0" y="0"/>
+          <a:ext cx="0" cy="0"/>
+          <a:chOff x="0" y="0"/>
+          <a:chExt cx="0" cy="0"/>
+        </a:xfrm>
+      </p:grpSpPr>
+      <p:sp>
+        <p:nvSpPr>
+          <p:cNvPr id="82" name="PlaceHolder 1"/>
+          <p:cNvSpPr>
+            <a:spLocks noGrp="1"/>
+          </p:cNvSpPr>
+          <p:nvPr>
+            <p:ph type="title"/>
+          </p:nvPr>
+        </p:nvSpPr>
+        <p:spPr>
+          <a:xfrm>
+            <a:off x="504000" y="301320"/>
+            <a:ext cx="9072000" cy="1262160"/>
+          </a:xfrm>
+          <a:prstGeom prst="rect">
+            <a:avLst/>
+          </a:prstGeom>
+        </p:spPr>
+        <p:txBody>
+          <a:bodyPr lIns="0" rIns="0" tIns="0" bIns="0" anchor="ctr"/>
+          <a:p>
+            <a:pPr algn="ctr"/>
+            <a:endParaRPr/>
+          </a:p>
+        </p:txBody>
+      </p:sp>
     </p:spTree>
   </p:cSld>
 </p:sldLayout>
@@ -1710,7 +2034,7 @@
         <p:spPr>
           <a:xfrm>
             <a:off x="504000" y="301320"/>
-            <a:ext cx="9071280" cy="1262520"/>
+            <a:ext cx="9072000" cy="1262160"/>
           </a:xfrm>
           <a:prstGeom prst="rect">
             <a:avLst/>
@@ -1736,20 +2060,855 @@
         </p:nvSpPr>
         <p:spPr>
           <a:xfrm>
-            <a:off x="504000" y="1769040"/>
-            <a:ext cx="9071280" cy="4383720"/>
-          </a:xfrm>
-          <a:prstGeom prst="rect">
-            <a:avLst/>
-          </a:prstGeom>
-        </p:spPr>
-        <p:txBody>
-          <a:bodyPr lIns="0" rIns="0" tIns="0" bIns="0"/>
-          <a:p>
-            <a:endParaRPr/>
-          </a:p>
-        </p:txBody>
-      </p:sp>
+            <a:off x="504000" y="1768680"/>
+            <a:ext cx="9072000" cy="4384080"/>
+          </a:xfrm>
+          <a:prstGeom prst="rect">
+            <a:avLst/>
+          </a:prstGeom>
+        </p:spPr>
+        <p:txBody>
+          <a:bodyPr lIns="0" rIns="0" tIns="0" bIns="0"/>
+          <a:p>
+            <a:endParaRPr/>
+          </a:p>
+        </p:txBody>
+      </p:sp>
+    </p:spTree>
+  </p:cSld>
+</p:sldLayout>
+</file>
+
+<file path=ppt/slideLayouts/slideLayout30.xml><?xml version="1.0" encoding="utf-8"?>
+<p:sldLayout xmlns:a="http://schemas.openxmlformats.org/drawingml/2006/main" xmlns:p="http://schemas.openxmlformats.org/presentationml/2006/main" xmlns:r="http://schemas.openxmlformats.org/officeDocument/2006/relationships" type="objOnly" preserve="1">
+  <p:cSld name="Centered Text">
+    <p:spTree>
+      <p:nvGrpSpPr>
+        <p:cNvPr id="1" name=""/>
+        <p:cNvGrpSpPr/>
+        <p:nvPr/>
+      </p:nvGrpSpPr>
+      <p:grpSpPr>
+        <a:xfrm>
+          <a:off x="0" y="0"/>
+          <a:ext cx="0" cy="0"/>
+          <a:chOff x="0" y="0"/>
+          <a:chExt cx="0" cy="0"/>
+        </a:xfrm>
+      </p:grpSpPr>
+      <p:sp>
+        <p:nvSpPr>
+          <p:cNvPr id="83" name="PlaceHolder 1"/>
+          <p:cNvSpPr>
+            <a:spLocks noGrp="1"/>
+          </p:cNvSpPr>
+          <p:nvPr>
+            <p:ph type="subTitle"/>
+          </p:nvPr>
+        </p:nvSpPr>
+        <p:spPr>
+          <a:xfrm>
+            <a:off x="504000" y="301320"/>
+            <a:ext cx="9072000" cy="5850720"/>
+          </a:xfrm>
+          <a:prstGeom prst="rect">
+            <a:avLst/>
+          </a:prstGeom>
+        </p:spPr>
+        <p:txBody>
+          <a:bodyPr lIns="0" rIns="0" tIns="0" bIns="0" anchor="ctr"/>
+          <a:p>
+            <a:pPr algn="ctr"/>
+            <a:endParaRPr/>
+          </a:p>
+        </p:txBody>
+      </p:sp>
+    </p:spTree>
+  </p:cSld>
+</p:sldLayout>
+</file>
+
+<file path=ppt/slideLayouts/slideLayout31.xml><?xml version="1.0" encoding="utf-8"?>
+<p:sldLayout xmlns:a="http://schemas.openxmlformats.org/drawingml/2006/main" xmlns:p="http://schemas.openxmlformats.org/presentationml/2006/main" xmlns:r="http://schemas.openxmlformats.org/officeDocument/2006/relationships" type="twoObjAndObj" preserve="1">
+  <p:cSld name="Title, 2 Content and Content">
+    <p:spTree>
+      <p:nvGrpSpPr>
+        <p:cNvPr id="1" name=""/>
+        <p:cNvGrpSpPr/>
+        <p:nvPr/>
+      </p:nvGrpSpPr>
+      <p:grpSpPr>
+        <a:xfrm>
+          <a:off x="0" y="0"/>
+          <a:ext cx="0" cy="0"/>
+          <a:chOff x="0" y="0"/>
+          <a:chExt cx="0" cy="0"/>
+        </a:xfrm>
+      </p:grpSpPr>
+      <p:sp>
+        <p:nvSpPr>
+          <p:cNvPr id="84" name="PlaceHolder 1"/>
+          <p:cNvSpPr>
+            <a:spLocks noGrp="1"/>
+          </p:cNvSpPr>
+          <p:nvPr>
+            <p:ph type="title"/>
+          </p:nvPr>
+        </p:nvSpPr>
+        <p:spPr>
+          <a:xfrm>
+            <a:off x="504000" y="301320"/>
+            <a:ext cx="9072000" cy="1262160"/>
+          </a:xfrm>
+          <a:prstGeom prst="rect">
+            <a:avLst/>
+          </a:prstGeom>
+        </p:spPr>
+        <p:txBody>
+          <a:bodyPr lIns="0" rIns="0" tIns="0" bIns="0" anchor="ctr"/>
+          <a:p>
+            <a:pPr algn="ctr"/>
+            <a:endParaRPr/>
+          </a:p>
+        </p:txBody>
+      </p:sp>
+      <p:sp>
+        <p:nvSpPr>
+          <p:cNvPr id="85" name="PlaceHolder 2"/>
+          <p:cNvSpPr>
+            <a:spLocks noGrp="1"/>
+          </p:cNvSpPr>
+          <p:nvPr>
+            <p:ph type="body"/>
+          </p:nvPr>
+        </p:nvSpPr>
+        <p:spPr>
+          <a:xfrm>
+            <a:off x="504000" y="1768680"/>
+            <a:ext cx="4426920" cy="2090880"/>
+          </a:xfrm>
+          <a:prstGeom prst="rect">
+            <a:avLst/>
+          </a:prstGeom>
+        </p:spPr>
+        <p:txBody>
+          <a:bodyPr lIns="0" rIns="0" tIns="0" bIns="0"/>
+          <a:p>
+            <a:endParaRPr/>
+          </a:p>
+        </p:txBody>
+      </p:sp>
+      <p:sp>
+        <p:nvSpPr>
+          <p:cNvPr id="86" name="PlaceHolder 3"/>
+          <p:cNvSpPr>
+            <a:spLocks noGrp="1"/>
+          </p:cNvSpPr>
+          <p:nvPr>
+            <p:ph type="body"/>
+          </p:nvPr>
+        </p:nvSpPr>
+        <p:spPr>
+          <a:xfrm>
+            <a:off x="504000" y="4058640"/>
+            <a:ext cx="4426920" cy="2090880"/>
+          </a:xfrm>
+          <a:prstGeom prst="rect">
+            <a:avLst/>
+          </a:prstGeom>
+        </p:spPr>
+        <p:txBody>
+          <a:bodyPr lIns="0" rIns="0" tIns="0" bIns="0"/>
+          <a:p>
+            <a:endParaRPr/>
+          </a:p>
+        </p:txBody>
+      </p:sp>
+      <p:sp>
+        <p:nvSpPr>
+          <p:cNvPr id="87" name="PlaceHolder 4"/>
+          <p:cNvSpPr>
+            <a:spLocks noGrp="1"/>
+          </p:cNvSpPr>
+          <p:nvPr>
+            <p:ph type="body"/>
+          </p:nvPr>
+        </p:nvSpPr>
+        <p:spPr>
+          <a:xfrm>
+            <a:off x="5152680" y="1768680"/>
+            <a:ext cx="4426920" cy="4384080"/>
+          </a:xfrm>
+          <a:prstGeom prst="rect">
+            <a:avLst/>
+          </a:prstGeom>
+        </p:spPr>
+        <p:txBody>
+          <a:bodyPr lIns="0" rIns="0" tIns="0" bIns="0"/>
+          <a:p>
+            <a:endParaRPr/>
+          </a:p>
+        </p:txBody>
+      </p:sp>
+    </p:spTree>
+  </p:cSld>
+</p:sldLayout>
+</file>
+
+<file path=ppt/slideLayouts/slideLayout32.xml><?xml version="1.0" encoding="utf-8"?>
+<p:sldLayout xmlns:a="http://schemas.openxmlformats.org/drawingml/2006/main" xmlns:p="http://schemas.openxmlformats.org/presentationml/2006/main" xmlns:r="http://schemas.openxmlformats.org/officeDocument/2006/relationships" type="objAndTwoObj" preserve="1">
+  <p:cSld name="Title Content and 2 Content">
+    <p:spTree>
+      <p:nvGrpSpPr>
+        <p:cNvPr id="1" name=""/>
+        <p:cNvGrpSpPr/>
+        <p:nvPr/>
+      </p:nvGrpSpPr>
+      <p:grpSpPr>
+        <a:xfrm>
+          <a:off x="0" y="0"/>
+          <a:ext cx="0" cy="0"/>
+          <a:chOff x="0" y="0"/>
+          <a:chExt cx="0" cy="0"/>
+        </a:xfrm>
+      </p:grpSpPr>
+      <p:sp>
+        <p:nvSpPr>
+          <p:cNvPr id="88" name="PlaceHolder 1"/>
+          <p:cNvSpPr>
+            <a:spLocks noGrp="1"/>
+          </p:cNvSpPr>
+          <p:nvPr>
+            <p:ph type="title"/>
+          </p:nvPr>
+        </p:nvSpPr>
+        <p:spPr>
+          <a:xfrm>
+            <a:off x="504000" y="301320"/>
+            <a:ext cx="9072000" cy="1262160"/>
+          </a:xfrm>
+          <a:prstGeom prst="rect">
+            <a:avLst/>
+          </a:prstGeom>
+        </p:spPr>
+        <p:txBody>
+          <a:bodyPr lIns="0" rIns="0" tIns="0" bIns="0" anchor="ctr"/>
+          <a:p>
+            <a:pPr algn="ctr"/>
+            <a:endParaRPr/>
+          </a:p>
+        </p:txBody>
+      </p:sp>
+      <p:sp>
+        <p:nvSpPr>
+          <p:cNvPr id="89" name="PlaceHolder 2"/>
+          <p:cNvSpPr>
+            <a:spLocks noGrp="1"/>
+          </p:cNvSpPr>
+          <p:nvPr>
+            <p:ph type="body"/>
+          </p:nvPr>
+        </p:nvSpPr>
+        <p:spPr>
+          <a:xfrm>
+            <a:off x="504000" y="1768680"/>
+            <a:ext cx="4426920" cy="4384080"/>
+          </a:xfrm>
+          <a:prstGeom prst="rect">
+            <a:avLst/>
+          </a:prstGeom>
+        </p:spPr>
+        <p:txBody>
+          <a:bodyPr lIns="0" rIns="0" tIns="0" bIns="0"/>
+          <a:p>
+            <a:endParaRPr/>
+          </a:p>
+        </p:txBody>
+      </p:sp>
+      <p:sp>
+        <p:nvSpPr>
+          <p:cNvPr id="90" name="PlaceHolder 3"/>
+          <p:cNvSpPr>
+            <a:spLocks noGrp="1"/>
+          </p:cNvSpPr>
+          <p:nvPr>
+            <p:ph type="body"/>
+          </p:nvPr>
+        </p:nvSpPr>
+        <p:spPr>
+          <a:xfrm>
+            <a:off x="5152680" y="1768680"/>
+            <a:ext cx="4426920" cy="2090880"/>
+          </a:xfrm>
+          <a:prstGeom prst="rect">
+            <a:avLst/>
+          </a:prstGeom>
+        </p:spPr>
+        <p:txBody>
+          <a:bodyPr lIns="0" rIns="0" tIns="0" bIns="0"/>
+          <a:p>
+            <a:endParaRPr/>
+          </a:p>
+        </p:txBody>
+      </p:sp>
+      <p:sp>
+        <p:nvSpPr>
+          <p:cNvPr id="91" name="PlaceHolder 4"/>
+          <p:cNvSpPr>
+            <a:spLocks noGrp="1"/>
+          </p:cNvSpPr>
+          <p:nvPr>
+            <p:ph type="body"/>
+          </p:nvPr>
+        </p:nvSpPr>
+        <p:spPr>
+          <a:xfrm>
+            <a:off x="5152680" y="4058640"/>
+            <a:ext cx="4426920" cy="2090880"/>
+          </a:xfrm>
+          <a:prstGeom prst="rect">
+            <a:avLst/>
+          </a:prstGeom>
+        </p:spPr>
+        <p:txBody>
+          <a:bodyPr lIns="0" rIns="0" tIns="0" bIns="0"/>
+          <a:p>
+            <a:endParaRPr/>
+          </a:p>
+        </p:txBody>
+      </p:sp>
+    </p:spTree>
+  </p:cSld>
+</p:sldLayout>
+</file>
+
+<file path=ppt/slideLayouts/slideLayout33.xml><?xml version="1.0" encoding="utf-8"?>
+<p:sldLayout xmlns:a="http://schemas.openxmlformats.org/drawingml/2006/main" xmlns:p="http://schemas.openxmlformats.org/presentationml/2006/main" xmlns:r="http://schemas.openxmlformats.org/officeDocument/2006/relationships" type="twoObjOverTx" preserve="1">
+  <p:cSld name="Title, 2 Content over Content">
+    <p:spTree>
+      <p:nvGrpSpPr>
+        <p:cNvPr id="1" name=""/>
+        <p:cNvGrpSpPr/>
+        <p:nvPr/>
+      </p:nvGrpSpPr>
+      <p:grpSpPr>
+        <a:xfrm>
+          <a:off x="0" y="0"/>
+          <a:ext cx="0" cy="0"/>
+          <a:chOff x="0" y="0"/>
+          <a:chExt cx="0" cy="0"/>
+        </a:xfrm>
+      </p:grpSpPr>
+      <p:sp>
+        <p:nvSpPr>
+          <p:cNvPr id="92" name="PlaceHolder 1"/>
+          <p:cNvSpPr>
+            <a:spLocks noGrp="1"/>
+          </p:cNvSpPr>
+          <p:nvPr>
+            <p:ph type="title"/>
+          </p:nvPr>
+        </p:nvSpPr>
+        <p:spPr>
+          <a:xfrm>
+            <a:off x="504000" y="301320"/>
+            <a:ext cx="9072000" cy="1262160"/>
+          </a:xfrm>
+          <a:prstGeom prst="rect">
+            <a:avLst/>
+          </a:prstGeom>
+        </p:spPr>
+        <p:txBody>
+          <a:bodyPr lIns="0" rIns="0" tIns="0" bIns="0" anchor="ctr"/>
+          <a:p>
+            <a:pPr algn="ctr"/>
+            <a:endParaRPr/>
+          </a:p>
+        </p:txBody>
+      </p:sp>
+      <p:sp>
+        <p:nvSpPr>
+          <p:cNvPr id="93" name="PlaceHolder 2"/>
+          <p:cNvSpPr>
+            <a:spLocks noGrp="1"/>
+          </p:cNvSpPr>
+          <p:nvPr>
+            <p:ph type="body"/>
+          </p:nvPr>
+        </p:nvSpPr>
+        <p:spPr>
+          <a:xfrm>
+            <a:off x="504000" y="1768680"/>
+            <a:ext cx="4426920" cy="2090880"/>
+          </a:xfrm>
+          <a:prstGeom prst="rect">
+            <a:avLst/>
+          </a:prstGeom>
+        </p:spPr>
+        <p:txBody>
+          <a:bodyPr lIns="0" rIns="0" tIns="0" bIns="0"/>
+          <a:p>
+            <a:endParaRPr/>
+          </a:p>
+        </p:txBody>
+      </p:sp>
+      <p:sp>
+        <p:nvSpPr>
+          <p:cNvPr id="94" name="PlaceHolder 3"/>
+          <p:cNvSpPr>
+            <a:spLocks noGrp="1"/>
+          </p:cNvSpPr>
+          <p:nvPr>
+            <p:ph type="body"/>
+          </p:nvPr>
+        </p:nvSpPr>
+        <p:spPr>
+          <a:xfrm>
+            <a:off x="5152680" y="1768680"/>
+            <a:ext cx="4426920" cy="2090880"/>
+          </a:xfrm>
+          <a:prstGeom prst="rect">
+            <a:avLst/>
+          </a:prstGeom>
+        </p:spPr>
+        <p:txBody>
+          <a:bodyPr lIns="0" rIns="0" tIns="0" bIns="0"/>
+          <a:p>
+            <a:endParaRPr/>
+          </a:p>
+        </p:txBody>
+      </p:sp>
+      <p:sp>
+        <p:nvSpPr>
+          <p:cNvPr id="95" name="PlaceHolder 4"/>
+          <p:cNvSpPr>
+            <a:spLocks noGrp="1"/>
+          </p:cNvSpPr>
+          <p:nvPr>
+            <p:ph type="body"/>
+          </p:nvPr>
+        </p:nvSpPr>
+        <p:spPr>
+          <a:xfrm>
+            <a:off x="504000" y="4058640"/>
+            <a:ext cx="9072000" cy="2090880"/>
+          </a:xfrm>
+          <a:prstGeom prst="rect">
+            <a:avLst/>
+          </a:prstGeom>
+        </p:spPr>
+        <p:txBody>
+          <a:bodyPr lIns="0" rIns="0" tIns="0" bIns="0"/>
+          <a:p>
+            <a:endParaRPr/>
+          </a:p>
+        </p:txBody>
+      </p:sp>
+    </p:spTree>
+  </p:cSld>
+</p:sldLayout>
+</file>
+
+<file path=ppt/slideLayouts/slideLayout34.xml><?xml version="1.0" encoding="utf-8"?>
+<p:sldLayout xmlns:a="http://schemas.openxmlformats.org/drawingml/2006/main" xmlns:p="http://schemas.openxmlformats.org/presentationml/2006/main" xmlns:r="http://schemas.openxmlformats.org/officeDocument/2006/relationships" type="objOverTx" preserve="1">
+  <p:cSld name="Title, Content over Content">
+    <p:spTree>
+      <p:nvGrpSpPr>
+        <p:cNvPr id="1" name=""/>
+        <p:cNvGrpSpPr/>
+        <p:nvPr/>
+      </p:nvGrpSpPr>
+      <p:grpSpPr>
+        <a:xfrm>
+          <a:off x="0" y="0"/>
+          <a:ext cx="0" cy="0"/>
+          <a:chOff x="0" y="0"/>
+          <a:chExt cx="0" cy="0"/>
+        </a:xfrm>
+      </p:grpSpPr>
+      <p:sp>
+        <p:nvSpPr>
+          <p:cNvPr id="96" name="PlaceHolder 1"/>
+          <p:cNvSpPr>
+            <a:spLocks noGrp="1"/>
+          </p:cNvSpPr>
+          <p:nvPr>
+            <p:ph type="title"/>
+          </p:nvPr>
+        </p:nvSpPr>
+        <p:spPr>
+          <a:xfrm>
+            <a:off x="504000" y="301320"/>
+            <a:ext cx="9072000" cy="1262160"/>
+          </a:xfrm>
+          <a:prstGeom prst="rect">
+            <a:avLst/>
+          </a:prstGeom>
+        </p:spPr>
+        <p:txBody>
+          <a:bodyPr lIns="0" rIns="0" tIns="0" bIns="0" anchor="ctr"/>
+          <a:p>
+            <a:pPr algn="ctr"/>
+            <a:endParaRPr/>
+          </a:p>
+        </p:txBody>
+      </p:sp>
+      <p:sp>
+        <p:nvSpPr>
+          <p:cNvPr id="97" name="PlaceHolder 2"/>
+          <p:cNvSpPr>
+            <a:spLocks noGrp="1"/>
+          </p:cNvSpPr>
+          <p:nvPr>
+            <p:ph type="body"/>
+          </p:nvPr>
+        </p:nvSpPr>
+        <p:spPr>
+          <a:xfrm>
+            <a:off x="504000" y="1768680"/>
+            <a:ext cx="9072000" cy="2090880"/>
+          </a:xfrm>
+          <a:prstGeom prst="rect">
+            <a:avLst/>
+          </a:prstGeom>
+        </p:spPr>
+        <p:txBody>
+          <a:bodyPr lIns="0" rIns="0" tIns="0" bIns="0"/>
+          <a:p>
+            <a:endParaRPr/>
+          </a:p>
+        </p:txBody>
+      </p:sp>
+      <p:sp>
+        <p:nvSpPr>
+          <p:cNvPr id="98" name="PlaceHolder 3"/>
+          <p:cNvSpPr>
+            <a:spLocks noGrp="1"/>
+          </p:cNvSpPr>
+          <p:nvPr>
+            <p:ph type="body"/>
+          </p:nvPr>
+        </p:nvSpPr>
+        <p:spPr>
+          <a:xfrm>
+            <a:off x="504000" y="4058640"/>
+            <a:ext cx="9072000" cy="2090880"/>
+          </a:xfrm>
+          <a:prstGeom prst="rect">
+            <a:avLst/>
+          </a:prstGeom>
+        </p:spPr>
+        <p:txBody>
+          <a:bodyPr lIns="0" rIns="0" tIns="0" bIns="0"/>
+          <a:p>
+            <a:endParaRPr/>
+          </a:p>
+        </p:txBody>
+      </p:sp>
+    </p:spTree>
+  </p:cSld>
+</p:sldLayout>
+</file>
+
+<file path=ppt/slideLayouts/slideLayout35.xml><?xml version="1.0" encoding="utf-8"?>
+<p:sldLayout xmlns:a="http://schemas.openxmlformats.org/drawingml/2006/main" xmlns:p="http://schemas.openxmlformats.org/presentationml/2006/main" xmlns:r="http://schemas.openxmlformats.org/officeDocument/2006/relationships" type="fourObj" preserve="1">
+  <p:cSld name="Title, 4 Content">
+    <p:spTree>
+      <p:nvGrpSpPr>
+        <p:cNvPr id="1" name=""/>
+        <p:cNvGrpSpPr/>
+        <p:nvPr/>
+      </p:nvGrpSpPr>
+      <p:grpSpPr>
+        <a:xfrm>
+          <a:off x="0" y="0"/>
+          <a:ext cx="0" cy="0"/>
+          <a:chOff x="0" y="0"/>
+          <a:chExt cx="0" cy="0"/>
+        </a:xfrm>
+      </p:grpSpPr>
+      <p:sp>
+        <p:nvSpPr>
+          <p:cNvPr id="99" name="PlaceHolder 1"/>
+          <p:cNvSpPr>
+            <a:spLocks noGrp="1"/>
+          </p:cNvSpPr>
+          <p:nvPr>
+            <p:ph type="title"/>
+          </p:nvPr>
+        </p:nvSpPr>
+        <p:spPr>
+          <a:xfrm>
+            <a:off x="504000" y="301320"/>
+            <a:ext cx="9072000" cy="1262160"/>
+          </a:xfrm>
+          <a:prstGeom prst="rect">
+            <a:avLst/>
+          </a:prstGeom>
+        </p:spPr>
+        <p:txBody>
+          <a:bodyPr lIns="0" rIns="0" tIns="0" bIns="0" anchor="ctr"/>
+          <a:p>
+            <a:pPr algn="ctr"/>
+            <a:endParaRPr/>
+          </a:p>
+        </p:txBody>
+      </p:sp>
+      <p:sp>
+        <p:nvSpPr>
+          <p:cNvPr id="100" name="PlaceHolder 2"/>
+          <p:cNvSpPr>
+            <a:spLocks noGrp="1"/>
+          </p:cNvSpPr>
+          <p:nvPr>
+            <p:ph type="body"/>
+          </p:nvPr>
+        </p:nvSpPr>
+        <p:spPr>
+          <a:xfrm>
+            <a:off x="504000" y="1768680"/>
+            <a:ext cx="4426920" cy="2090880"/>
+          </a:xfrm>
+          <a:prstGeom prst="rect">
+            <a:avLst/>
+          </a:prstGeom>
+        </p:spPr>
+        <p:txBody>
+          <a:bodyPr lIns="0" rIns="0" tIns="0" bIns="0"/>
+          <a:p>
+            <a:endParaRPr/>
+          </a:p>
+        </p:txBody>
+      </p:sp>
+      <p:sp>
+        <p:nvSpPr>
+          <p:cNvPr id="101" name="PlaceHolder 3"/>
+          <p:cNvSpPr>
+            <a:spLocks noGrp="1"/>
+          </p:cNvSpPr>
+          <p:nvPr>
+            <p:ph type="body"/>
+          </p:nvPr>
+        </p:nvSpPr>
+        <p:spPr>
+          <a:xfrm>
+            <a:off x="5152680" y="1768680"/>
+            <a:ext cx="4426920" cy="2090880"/>
+          </a:xfrm>
+          <a:prstGeom prst="rect">
+            <a:avLst/>
+          </a:prstGeom>
+        </p:spPr>
+        <p:txBody>
+          <a:bodyPr lIns="0" rIns="0" tIns="0" bIns="0"/>
+          <a:p>
+            <a:endParaRPr/>
+          </a:p>
+        </p:txBody>
+      </p:sp>
+      <p:sp>
+        <p:nvSpPr>
+          <p:cNvPr id="102" name="PlaceHolder 4"/>
+          <p:cNvSpPr>
+            <a:spLocks noGrp="1"/>
+          </p:cNvSpPr>
+          <p:nvPr>
+            <p:ph type="body"/>
+          </p:nvPr>
+        </p:nvSpPr>
+        <p:spPr>
+          <a:xfrm>
+            <a:off x="5152680" y="4058640"/>
+            <a:ext cx="4426920" cy="2090880"/>
+          </a:xfrm>
+          <a:prstGeom prst="rect">
+            <a:avLst/>
+          </a:prstGeom>
+        </p:spPr>
+        <p:txBody>
+          <a:bodyPr lIns="0" rIns="0" tIns="0" bIns="0"/>
+          <a:p>
+            <a:endParaRPr/>
+          </a:p>
+        </p:txBody>
+      </p:sp>
+      <p:sp>
+        <p:nvSpPr>
+          <p:cNvPr id="103" name="PlaceHolder 5"/>
+          <p:cNvSpPr>
+            <a:spLocks noGrp="1"/>
+          </p:cNvSpPr>
+          <p:nvPr>
+            <p:ph type="body"/>
+          </p:nvPr>
+        </p:nvSpPr>
+        <p:spPr>
+          <a:xfrm>
+            <a:off x="504000" y="4058640"/>
+            <a:ext cx="4426920" cy="2090880"/>
+          </a:xfrm>
+          <a:prstGeom prst="rect">
+            <a:avLst/>
+          </a:prstGeom>
+        </p:spPr>
+        <p:txBody>
+          <a:bodyPr lIns="0" rIns="0" tIns="0" bIns="0"/>
+          <a:p>
+            <a:endParaRPr/>
+          </a:p>
+        </p:txBody>
+      </p:sp>
+    </p:spTree>
+  </p:cSld>
+</p:sldLayout>
+</file>
+
+<file path=ppt/slideLayouts/slideLayout36.xml><?xml version="1.0" encoding="utf-8"?>
+<p:sldLayout xmlns:a="http://schemas.openxmlformats.org/drawingml/2006/main" xmlns:p="http://schemas.openxmlformats.org/presentationml/2006/main" xmlns:r="http://schemas.openxmlformats.org/officeDocument/2006/relationships" type="blank" preserve="1">
+  <p:cSld name="Title, 6 Content">
+    <p:spTree>
+      <p:nvGrpSpPr>
+        <p:cNvPr id="1" name=""/>
+        <p:cNvGrpSpPr/>
+        <p:nvPr/>
+      </p:nvGrpSpPr>
+      <p:grpSpPr>
+        <a:xfrm>
+          <a:off x="0" y="0"/>
+          <a:ext cx="0" cy="0"/>
+          <a:chOff x="0" y="0"/>
+          <a:chExt cx="0" cy="0"/>
+        </a:xfrm>
+      </p:grpSpPr>
+      <p:sp>
+        <p:nvSpPr>
+          <p:cNvPr id="104" name="PlaceHolder 1"/>
+          <p:cNvSpPr>
+            <a:spLocks noGrp="1"/>
+          </p:cNvSpPr>
+          <p:nvPr>
+            <p:ph type="title"/>
+          </p:nvPr>
+        </p:nvSpPr>
+        <p:spPr>
+          <a:xfrm>
+            <a:off x="504000" y="301320"/>
+            <a:ext cx="9072000" cy="1262160"/>
+          </a:xfrm>
+          <a:prstGeom prst="rect">
+            <a:avLst/>
+          </a:prstGeom>
+        </p:spPr>
+        <p:txBody>
+          <a:bodyPr lIns="0" rIns="0" tIns="0" bIns="0" anchor="ctr"/>
+          <a:p>
+            <a:pPr algn="ctr"/>
+            <a:endParaRPr/>
+          </a:p>
+        </p:txBody>
+      </p:sp>
+      <p:sp>
+        <p:nvSpPr>
+          <p:cNvPr id="105" name="PlaceHolder 2"/>
+          <p:cNvSpPr>
+            <a:spLocks noGrp="1"/>
+          </p:cNvSpPr>
+          <p:nvPr>
+            <p:ph type="body"/>
+          </p:nvPr>
+        </p:nvSpPr>
+        <p:spPr>
+          <a:xfrm>
+            <a:off x="504000" y="1768680"/>
+            <a:ext cx="9072000" cy="4384080"/>
+          </a:xfrm>
+          <a:prstGeom prst="rect">
+            <a:avLst/>
+          </a:prstGeom>
+        </p:spPr>
+        <p:txBody>
+          <a:bodyPr lIns="0" rIns="0" tIns="0" bIns="0"/>
+          <a:p>
+            <a:endParaRPr/>
+          </a:p>
+        </p:txBody>
+      </p:sp>
+      <p:sp>
+        <p:nvSpPr>
+          <p:cNvPr id="106" name="PlaceHolder 3"/>
+          <p:cNvSpPr>
+            <a:spLocks noGrp="1"/>
+          </p:cNvSpPr>
+          <p:nvPr>
+            <p:ph type="body"/>
+          </p:nvPr>
+        </p:nvSpPr>
+        <p:spPr>
+          <a:xfrm>
+            <a:off x="504000" y="1768680"/>
+            <a:ext cx="9072000" cy="4384080"/>
+          </a:xfrm>
+          <a:prstGeom prst="rect">
+            <a:avLst/>
+          </a:prstGeom>
+        </p:spPr>
+        <p:txBody>
+          <a:bodyPr lIns="0" rIns="0" tIns="0" bIns="0"/>
+          <a:p>
+            <a:endParaRPr/>
+          </a:p>
+        </p:txBody>
+      </p:sp>
+      <p:pic>
+        <p:nvPicPr>
+          <p:cNvPr id="107" name="" descr=""/>
+          <p:cNvPicPr/>
+          <p:nvPr/>
+        </p:nvPicPr>
+        <p:blipFill>
+          <a:blip r:embed="rId2"/>
+          <a:stretch>
+            <a:fillRect/>
+          </a:stretch>
+        </p:blipFill>
+        <p:spPr>
+          <a:xfrm>
+            <a:off x="2292480" y="1768680"/>
+            <a:ext cx="5494680" cy="4384080"/>
+          </a:xfrm>
+          <a:prstGeom prst="rect">
+            <a:avLst/>
+          </a:prstGeom>
+          <a:ln>
+            <a:noFill/>
+          </a:ln>
+        </p:spPr>
+      </p:pic>
+      <p:pic>
+        <p:nvPicPr>
+          <p:cNvPr id="108" name="" descr=""/>
+          <p:cNvPicPr/>
+          <p:nvPr/>
+        </p:nvPicPr>
+        <p:blipFill>
+          <a:blip r:embed="rId3"/>
+          <a:stretch>
+            <a:fillRect/>
+          </a:stretch>
+        </p:blipFill>
+        <p:spPr>
+          <a:xfrm>
+            <a:off x="2292480" y="1768680"/>
+            <a:ext cx="5494680" cy="4384080"/>
+          </a:xfrm>
+          <a:prstGeom prst="rect">
+            <a:avLst/>
+          </a:prstGeom>
+          <a:ln>
+            <a:noFill/>
+          </a:ln>
+        </p:spPr>
+      </p:pic>
     </p:spTree>
   </p:cSld>
 </p:sldLayout>
@@ -1785,7 +2944,7 @@
         <p:spPr>
           <a:xfrm>
             <a:off x="504000" y="301320"/>
-            <a:ext cx="9071280" cy="1262520"/>
+            <a:ext cx="9072000" cy="1262160"/>
           </a:xfrm>
           <a:prstGeom prst="rect">
             <a:avLst/>
@@ -1811,8 +2970,8 @@
         </p:nvSpPr>
         <p:spPr>
           <a:xfrm>
-            <a:off x="504000" y="1769040"/>
-            <a:ext cx="4426560" cy="4383720"/>
+            <a:off x="504000" y="1768680"/>
+            <a:ext cx="4426920" cy="4384080"/>
           </a:xfrm>
           <a:prstGeom prst="rect">
             <a:avLst/>
@@ -1837,8 +2996,8 @@
         </p:nvSpPr>
         <p:spPr>
           <a:xfrm>
-            <a:off x="5152320" y="1769040"/>
-            <a:ext cx="4426560" cy="4383720"/>
+            <a:off x="5152680" y="1768680"/>
+            <a:ext cx="4426920" cy="4384080"/>
           </a:xfrm>
           <a:prstGeom prst="rect">
             <a:avLst/>
@@ -1886,7 +3045,7 @@
         <p:spPr>
           <a:xfrm>
             <a:off x="504000" y="301320"/>
-            <a:ext cx="9071280" cy="1262520"/>
+            <a:ext cx="9072000" cy="1262160"/>
           </a:xfrm>
           <a:prstGeom prst="rect">
             <a:avLst/>
@@ -1935,7 +3094,7 @@
         <p:spPr>
           <a:xfrm>
             <a:off x="504000" y="301320"/>
-            <a:ext cx="9071280" cy="5852160"/>
+            <a:ext cx="9072000" cy="5850720"/>
           </a:xfrm>
           <a:prstGeom prst="rect">
             <a:avLst/>
@@ -1984,7 +3143,7 @@
         <p:spPr>
           <a:xfrm>
             <a:off x="504000" y="301320"/>
-            <a:ext cx="9071280" cy="1262520"/>
+            <a:ext cx="9072000" cy="1262160"/>
           </a:xfrm>
           <a:prstGeom prst="rect">
             <a:avLst/>
@@ -2010,8 +3169,8 @@
         </p:nvSpPr>
         <p:spPr>
           <a:xfrm>
-            <a:off x="504000" y="1769040"/>
-            <a:ext cx="4426560" cy="2090880"/>
+            <a:off x="504000" y="1768680"/>
+            <a:ext cx="4426920" cy="2090880"/>
           </a:xfrm>
           <a:prstGeom prst="rect">
             <a:avLst/>
@@ -2036,8 +3195,8 @@
         </p:nvSpPr>
         <p:spPr>
           <a:xfrm>
-            <a:off x="504000" y="4059000"/>
-            <a:ext cx="4426560" cy="2090880"/>
+            <a:off x="504000" y="4058640"/>
+            <a:ext cx="4426920" cy="2090880"/>
           </a:xfrm>
           <a:prstGeom prst="rect">
             <a:avLst/>
@@ -2062,8 +3221,8 @@
         </p:nvSpPr>
         <p:spPr>
           <a:xfrm>
-            <a:off x="5152320" y="1769040"/>
-            <a:ext cx="4426560" cy="4383720"/>
+            <a:off x="5152680" y="1768680"/>
+            <a:ext cx="4426920" cy="4384080"/>
           </a:xfrm>
           <a:prstGeom prst="rect">
             <a:avLst/>
@@ -2111,7 +3270,7 @@
         <p:spPr>
           <a:xfrm>
             <a:off x="504000" y="301320"/>
-            <a:ext cx="9071280" cy="1262520"/>
+            <a:ext cx="9072000" cy="1262160"/>
           </a:xfrm>
           <a:prstGeom prst="rect">
             <a:avLst/>
@@ -2137,8 +3296,8 @@
         </p:nvSpPr>
         <p:spPr>
           <a:xfrm>
-            <a:off x="504000" y="1769040"/>
-            <a:ext cx="4426560" cy="4383720"/>
+            <a:off x="504000" y="1768680"/>
+            <a:ext cx="4426920" cy="4384080"/>
           </a:xfrm>
           <a:prstGeom prst="rect">
             <a:avLst/>
@@ -2163,8 +3322,8 @@
         </p:nvSpPr>
         <p:spPr>
           <a:xfrm>
-            <a:off x="5152320" y="1769040"/>
-            <a:ext cx="4426560" cy="2090880"/>
+            <a:off x="5152680" y="1768680"/>
+            <a:ext cx="4426920" cy="2090880"/>
           </a:xfrm>
           <a:prstGeom prst="rect">
             <a:avLst/>
@@ -2189,8 +3348,8 @@
         </p:nvSpPr>
         <p:spPr>
           <a:xfrm>
-            <a:off x="5152320" y="4059000"/>
-            <a:ext cx="4426560" cy="2090880"/>
+            <a:off x="5152680" y="4058640"/>
+            <a:ext cx="4426920" cy="2090880"/>
           </a:xfrm>
           <a:prstGeom prst="rect">
             <a:avLst/>
@@ -2238,7 +3397,7 @@
         <p:spPr>
           <a:xfrm>
             <a:off x="504000" y="301320"/>
-            <a:ext cx="9071280" cy="1262520"/>
+            <a:ext cx="9072000" cy="1262160"/>
           </a:xfrm>
           <a:prstGeom prst="rect">
             <a:avLst/>
@@ -2264,8 +3423,8 @@
         </p:nvSpPr>
         <p:spPr>
           <a:xfrm>
-            <a:off x="504000" y="1769040"/>
-            <a:ext cx="4426560" cy="2090880"/>
+            <a:off x="504000" y="1768680"/>
+            <a:ext cx="4426920" cy="2090880"/>
           </a:xfrm>
           <a:prstGeom prst="rect">
             <a:avLst/>
@@ -2290,8 +3449,8 @@
         </p:nvSpPr>
         <p:spPr>
           <a:xfrm>
-            <a:off x="5152320" y="1769040"/>
-            <a:ext cx="4426560" cy="2090880"/>
+            <a:off x="5152680" y="1768680"/>
+            <a:ext cx="4426920" cy="2090880"/>
           </a:xfrm>
           <a:prstGeom prst="rect">
             <a:avLst/>
@@ -2316,8 +3475,8 @@
         </p:nvSpPr>
         <p:spPr>
           <a:xfrm>
-            <a:off x="504000" y="4059000"/>
-            <a:ext cx="9071280" cy="2090880"/>
+            <a:off x="504000" y="4058640"/>
+            <a:ext cx="9072000" cy="2090880"/>
           </a:xfrm>
           <a:prstGeom prst="rect">
             <a:avLst/>
@@ -2365,7 +3524,7 @@
         <p:spPr>
           <a:xfrm>
             <a:off x="504000" y="301320"/>
-            <a:ext cx="9071280" cy="1262160"/>
+            <a:ext cx="9070920" cy="1262160"/>
           </a:xfrm>
           <a:prstGeom prst="rect">
             <a:avLst/>
@@ -2397,7 +3556,7 @@
         <p:spPr>
           <a:xfrm>
             <a:off x="504000" y="1769040"/>
-            <a:ext cx="4426560" cy="4383720"/>
+            <a:ext cx="4426200" cy="4383360"/>
           </a:xfrm>
           <a:prstGeom prst="rect">
             <a:avLst/>
@@ -2517,8 +3676,8 @@
         </p:nvSpPr>
         <p:spPr>
           <a:xfrm>
-            <a:off x="5152680" y="1769040"/>
-            <a:ext cx="4426560" cy="4383720"/>
+            <a:off x="5152320" y="1769040"/>
+            <a:ext cx="4426200" cy="4383360"/>
           </a:xfrm>
           <a:prstGeom prst="rect">
             <a:avLst/>
@@ -2676,7 +3835,7 @@
         <p:spPr>
           <a:xfrm>
             <a:off x="504000" y="301320"/>
-            <a:ext cx="9071280" cy="1262160"/>
+            <a:ext cx="9070920" cy="1262160"/>
           </a:xfrm>
           <a:prstGeom prst="rect">
             <a:avLst/>
@@ -2708,7 +3867,7 @@
         <p:spPr>
           <a:xfrm>
             <a:off x="504000" y="1769040"/>
-            <a:ext cx="9071280" cy="4383720"/>
+            <a:ext cx="9070920" cy="4383360"/>
           </a:xfrm>
           <a:prstGeom prst="rect">
             <a:avLst/>
@@ -2832,6 +3991,197 @@
     <p:sldLayoutId id="2147483671" r:id="rId11"/>
     <p:sldLayoutId id="2147483672" r:id="rId12"/>
     <p:sldLayoutId id="2147483673" r:id="rId13"/>
+  </p:sldLayoutIdLst>
+</p:sldMaster>
+</file>
+
+<file path=ppt/slideMasters/slideMaster3.xml><?xml version="1.0" encoding="utf-8"?>
+<p:sldMaster xmlns:a="http://schemas.openxmlformats.org/drawingml/2006/main" xmlns:p="http://schemas.openxmlformats.org/presentationml/2006/main" xmlns:r="http://schemas.openxmlformats.org/officeDocument/2006/relationships">
+  <p:cSld>
+    <p:spTree>
+      <p:nvGrpSpPr>
+        <p:cNvPr id="1" name=""/>
+        <p:cNvGrpSpPr/>
+        <p:nvPr/>
+      </p:nvGrpSpPr>
+      <p:grpSpPr>
+        <a:xfrm>
+          <a:off x="0" y="0"/>
+          <a:ext cx="0" cy="0"/>
+          <a:chOff x="0" y="0"/>
+          <a:chExt cx="0" cy="0"/>
+        </a:xfrm>
+      </p:grpSpPr>
+      <p:sp>
+        <p:nvSpPr>
+          <p:cNvPr id="73" name="PlaceHolder 1"/>
+          <p:cNvSpPr>
+            <a:spLocks noGrp="1"/>
+          </p:cNvSpPr>
+          <p:nvPr>
+            <p:ph type="title"/>
+          </p:nvPr>
+        </p:nvSpPr>
+        <p:spPr>
+          <a:xfrm>
+            <a:off x="504000" y="301320"/>
+            <a:ext cx="9072000" cy="1261800"/>
+          </a:xfrm>
+          <a:prstGeom prst="rect">
+            <a:avLst/>
+          </a:prstGeom>
+        </p:spPr>
+        <p:txBody>
+          <a:bodyPr lIns="0" rIns="0" tIns="0" bIns="0" anchor="ctr"/>
+          <a:p>
+            <a:pPr algn="ctr"/>
+            <a:r>
+              <a:rPr lang="nl-NL" sz="4400">
+                <a:latin typeface="Arial"/>
+              </a:rPr>
+              <a:t>Klik om de opmaak van de titeltekst te bewerken</a:t>
+            </a:r>
+            <a:endParaRPr/>
+          </a:p>
+        </p:txBody>
+      </p:sp>
+      <p:sp>
+        <p:nvSpPr>
+          <p:cNvPr id="74" name="PlaceHolder 2"/>
+          <p:cNvSpPr>
+            <a:spLocks noGrp="1"/>
+          </p:cNvSpPr>
+          <p:nvPr>
+            <p:ph type="body"/>
+          </p:nvPr>
+        </p:nvSpPr>
+        <p:spPr>
+          <a:xfrm>
+            <a:off x="504000" y="1768680"/>
+            <a:ext cx="9072000" cy="4384080"/>
+          </a:xfrm>
+          <a:prstGeom prst="rect">
+            <a:avLst/>
+          </a:prstGeom>
+        </p:spPr>
+        <p:txBody>
+          <a:bodyPr lIns="0" rIns="0" tIns="0" bIns="0"/>
+          <a:p>
+            <a:pPr>
+              <a:buSzPct val="45000"/>
+              <a:buFont typeface="StarSymbol"/>
+              <a:buChar char=""/>
+            </a:pPr>
+            <a:r>
+              <a:rPr lang="nl-NL" sz="3200">
+                <a:latin typeface="Arial"/>
+              </a:rPr>
+              <a:t>Klik om de opmaak van de overzichtstekst te bewerken</a:t>
+            </a:r>
+            <a:endParaRPr/>
+          </a:p>
+          <a:p>
+            <a:pPr lvl="1">
+              <a:buSzPct val="75000"/>
+              <a:buFont typeface="StarSymbol"/>
+              <a:buChar char=""/>
+            </a:pPr>
+            <a:r>
+              <a:rPr lang="nl-NL" sz="2800">
+                <a:latin typeface="Arial"/>
+              </a:rPr>
+              <a:t>Tweede overzichtsniveau</a:t>
+            </a:r>
+            <a:endParaRPr/>
+          </a:p>
+          <a:p>
+            <a:pPr lvl="2">
+              <a:buSzPct val="45000"/>
+              <a:buFont typeface="StarSymbol"/>
+              <a:buChar char=""/>
+            </a:pPr>
+            <a:r>
+              <a:rPr lang="nl-NL" sz="2400">
+                <a:latin typeface="Arial"/>
+              </a:rPr>
+              <a:t>Derde overzichtsniveau</a:t>
+            </a:r>
+            <a:endParaRPr/>
+          </a:p>
+          <a:p>
+            <a:pPr lvl="3">
+              <a:buSzPct val="75000"/>
+              <a:buFont typeface="StarSymbol"/>
+              <a:buChar char=""/>
+            </a:pPr>
+            <a:r>
+              <a:rPr lang="nl-NL" sz="2000">
+                <a:latin typeface="Arial"/>
+              </a:rPr>
+              <a:t>Vierde overzichtsniveau</a:t>
+            </a:r>
+            <a:endParaRPr/>
+          </a:p>
+          <a:p>
+            <a:pPr lvl="4">
+              <a:buSzPct val="45000"/>
+              <a:buFont typeface="StarSymbol"/>
+              <a:buChar char=""/>
+            </a:pPr>
+            <a:r>
+              <a:rPr lang="nl-NL" sz="2000">
+                <a:latin typeface="Arial"/>
+              </a:rPr>
+              <a:t>Vijfde overzichtsniveau</a:t>
+            </a:r>
+            <a:endParaRPr/>
+          </a:p>
+          <a:p>
+            <a:pPr lvl="5">
+              <a:buSzPct val="45000"/>
+              <a:buFont typeface="StarSymbol"/>
+              <a:buChar char=""/>
+            </a:pPr>
+            <a:r>
+              <a:rPr lang="nl-NL" sz="2000">
+                <a:latin typeface="Arial"/>
+              </a:rPr>
+              <a:t>Zesde overzichtsniveau</a:t>
+            </a:r>
+            <a:endParaRPr/>
+          </a:p>
+          <a:p>
+            <a:pPr lvl="6">
+              <a:buSzPct val="45000"/>
+              <a:buFont typeface="StarSymbol"/>
+              <a:buChar char=""/>
+            </a:pPr>
+            <a:r>
+              <a:rPr lang="nl-NL" sz="2000">
+                <a:latin typeface="Arial"/>
+              </a:rPr>
+              <a:t>Zevende overzichtsniveau</a:t>
+            </a:r>
+            <a:endParaRPr/>
+          </a:p>
+        </p:txBody>
+      </p:sp>
+    </p:spTree>
+  </p:cSld>
+  <p:clrMap bg1="lt1" bg2="lt2" tx1="dk1" tx2="dk2" accent1="accent1" accent2="accent2" accent3="accent3" accent4="accent4" accent5="accent5" accent6="accent6" hlink="hlink" folHlink="folHlink"/>
+  <p:sldLayoutIdLst>
+    <p:sldLayoutId id="2147483675" r:id="rId2"/>
+    <p:sldLayoutId id="2147483676" r:id="rId3"/>
+    <p:sldLayoutId id="2147483677" r:id="rId4"/>
+    <p:sldLayoutId id="2147483678" r:id="rId5"/>
+    <p:sldLayoutId id="2147483679" r:id="rId6"/>
+    <p:sldLayoutId id="2147483680" r:id="rId7"/>
+    <p:sldLayoutId id="2147483681" r:id="rId8"/>
+    <p:sldLayoutId id="2147483682" r:id="rId9"/>
+    <p:sldLayoutId id="2147483683" r:id="rId10"/>
+    <p:sldLayoutId id="2147483684" r:id="rId11"/>
+    <p:sldLayoutId id="2147483685" r:id="rId12"/>
+    <p:sldLayoutId id="2147483686" r:id="rId13"/>
   </p:sldLayoutIdLst>
 </p:sldMaster>
 </file>
@@ -2855,14 +4205,14 @@
       </p:grpSpPr>
       <p:sp>
         <p:nvSpPr>
-          <p:cNvPr id="73" name="CustomShape 1"/>
+          <p:cNvPr id="109" name="CustomShape 1"/>
           <p:cNvSpPr/>
           <p:nvPr/>
         </p:nvSpPr>
         <p:spPr>
           <a:xfrm>
             <a:off x="504000" y="301320"/>
-            <a:ext cx="9071280" cy="1261800"/>
+            <a:ext cx="9070920" cy="1261440"/>
           </a:xfrm>
           <a:prstGeom prst="rect">
             <a:avLst/>
@@ -2892,14 +4242,14 @@
       </p:sp>
       <p:sp>
         <p:nvSpPr>
-          <p:cNvPr id="74" name="CustomShape 2"/>
+          <p:cNvPr id="110" name="CustomShape 2"/>
           <p:cNvSpPr/>
           <p:nvPr/>
         </p:nvSpPr>
         <p:spPr>
           <a:xfrm>
             <a:off x="504000" y="1769040"/>
-            <a:ext cx="4426560" cy="4383720"/>
+            <a:ext cx="4426200" cy="4383360"/>
           </a:xfrm>
           <a:prstGeom prst="rect">
             <a:avLst/>
@@ -2941,7 +4291,7 @@
               <a:rPr lang="nl-NL" sz="3200">
                 <a:latin typeface="Arial"/>
               </a:rPr>
-              <a:t>TwietwietsUi</a:t>
+              <a:t>TwietwietUI</a:t>
             </a:r>
             <a:endParaRPr/>
           </a:p>
@@ -2966,7 +4316,7 @@
       </p:sp>
       <p:pic>
         <p:nvPicPr>
-          <p:cNvPr id="75" name="" descr=""/>
+          <p:cNvPr id="111" name="" descr=""/>
           <p:cNvPicPr/>
           <p:nvPr/>
         </p:nvPicPr>
@@ -2979,7 +4329,7 @@
         <p:spPr>
           <a:xfrm>
             <a:off x="5173920" y="1769040"/>
-            <a:ext cx="4383720" cy="4383720"/>
+            <a:ext cx="4383360" cy="4383360"/>
           </a:xfrm>
           <a:prstGeom prst="rect">
             <a:avLst/>
@@ -3040,14 +4390,14 @@
       </p:grpSpPr>
       <p:sp>
         <p:nvSpPr>
-          <p:cNvPr id="76" name="CustomShape 1"/>
+          <p:cNvPr id="112" name="CustomShape 1"/>
           <p:cNvSpPr/>
           <p:nvPr/>
         </p:nvSpPr>
         <p:spPr>
           <a:xfrm>
             <a:off x="504000" y="301320"/>
-            <a:ext cx="9071280" cy="1261800"/>
+            <a:ext cx="9070920" cy="1261440"/>
           </a:xfrm>
           <a:prstGeom prst="rect">
             <a:avLst/>
@@ -3077,14 +4427,14 @@
       </p:sp>
       <p:sp>
         <p:nvSpPr>
-          <p:cNvPr id="77" name="CustomShape 2"/>
+          <p:cNvPr id="113" name="CustomShape 2"/>
           <p:cNvSpPr/>
           <p:nvPr/>
         </p:nvSpPr>
         <p:spPr>
           <a:xfrm>
             <a:off x="504000" y="1769040"/>
-            <a:ext cx="4426560" cy="4383720"/>
+            <a:ext cx="4426200" cy="4383360"/>
           </a:xfrm>
           <a:prstGeom prst="rect">
             <a:avLst/>
@@ -3135,9 +4485,6 @@
               <a:lnSpc>
                 <a:spcPct val="100000"/>
               </a:lnSpc>
-              <a:buSzPct val="45000"/>
-              <a:buFont typeface="StarSymbol"/>
-              <a:buChar char="l"/>
             </a:pPr>
             <a:endParaRPr/>
           </a:p>
@@ -3145,14 +4492,14 @@
       </p:sp>
       <p:sp>
         <p:nvSpPr>
-          <p:cNvPr id="78" name="CustomShape 3"/>
+          <p:cNvPr id="114" name="CustomShape 3"/>
           <p:cNvSpPr/>
           <p:nvPr/>
         </p:nvSpPr>
         <p:spPr>
           <a:xfrm>
             <a:off x="5152680" y="1769040"/>
-            <a:ext cx="4426560" cy="4383720"/>
+            <a:ext cx="4426200" cy="4383360"/>
           </a:xfrm>
           <a:prstGeom prst="rect">
             <a:avLst/>
@@ -3214,30 +4561,27 @@
       </p:grpSpPr>
       <p:sp>
         <p:nvSpPr>
-          <p:cNvPr id="79" name="TextShape 1"/>
-          <p:cNvSpPr txBox="1"/>
+          <p:cNvPr id="115" name="CustomShape 1"/>
+          <p:cNvSpPr/>
           <p:nvPr/>
         </p:nvSpPr>
         <p:spPr>
           <a:xfrm>
             <a:off x="504000" y="301320"/>
-            <a:ext cx="9071280" cy="1262160"/>
-          </a:xfrm>
-          <a:prstGeom prst="rect">
-            <a:avLst/>
-          </a:prstGeom>
-        </p:spPr>
-        <p:txBody>
-          <a:bodyPr lIns="0" rIns="0" tIns="0" bIns="0" anchor="ctr"/>
-          <a:p>
-            <a:pPr algn="ctr"/>
-            <a:endParaRPr/>
-          </a:p>
-        </p:txBody>
+            <a:ext cx="9070920" cy="1261800"/>
+          </a:xfrm>
+          <a:prstGeom prst="rect">
+            <a:avLst/>
+          </a:prstGeom>
+          <a:noFill/>
+          <a:ln>
+            <a:noFill/>
+          </a:ln>
+        </p:spPr>
       </p:sp>
       <p:pic>
         <p:nvPicPr>
-          <p:cNvPr id="80" name="" descr=""/>
+          <p:cNvPr id="116" name="" descr=""/>
           <p:cNvPicPr/>
           <p:nvPr/>
         </p:nvPicPr>
@@ -3250,7 +4594,7 @@
         <p:spPr>
           <a:xfrm>
             <a:off x="0" y="72000"/>
-            <a:ext cx="10080720" cy="7487640"/>
+            <a:ext cx="10080360" cy="7487280"/>
           </a:xfrm>
           <a:prstGeom prst="rect">
             <a:avLst/>
@@ -3311,14 +4655,14 @@
       </p:grpSpPr>
       <p:sp>
         <p:nvSpPr>
-          <p:cNvPr id="81" name="CustomShape 1"/>
+          <p:cNvPr id="117" name="CustomShape 1"/>
           <p:cNvSpPr/>
           <p:nvPr/>
         </p:nvSpPr>
         <p:spPr>
           <a:xfrm>
             <a:off x="504000" y="301320"/>
-            <a:ext cx="9071280" cy="1261800"/>
+            <a:ext cx="9070920" cy="1261440"/>
           </a:xfrm>
           <a:prstGeom prst="rect">
             <a:avLst/>
@@ -3331,7 +4675,7 @@
       </p:sp>
       <p:pic>
         <p:nvPicPr>
-          <p:cNvPr id="82" name="" descr=""/>
+          <p:cNvPr id="118" name="" descr=""/>
           <p:cNvPicPr/>
           <p:nvPr/>
         </p:nvPicPr>
@@ -3344,7 +4688,7 @@
         <p:spPr>
           <a:xfrm>
             <a:off x="0" y="0"/>
-            <a:ext cx="10007640" cy="7487640"/>
+            <a:ext cx="10007280" cy="7487280"/>
           </a:xfrm>
           <a:prstGeom prst="rect">
             <a:avLst/>
@@ -3405,14 +4749,14 @@
       </p:grpSpPr>
       <p:sp>
         <p:nvSpPr>
-          <p:cNvPr id="83" name="CustomShape 1"/>
+          <p:cNvPr id="119" name="CustomShape 1"/>
           <p:cNvSpPr/>
           <p:nvPr/>
         </p:nvSpPr>
         <p:spPr>
           <a:xfrm>
             <a:off x="504000" y="301320"/>
-            <a:ext cx="9071280" cy="1261800"/>
+            <a:ext cx="9070920" cy="1261440"/>
           </a:xfrm>
           <a:prstGeom prst="rect">
             <a:avLst/>
@@ -3442,14 +4786,14 @@
       </p:sp>
       <p:sp>
         <p:nvSpPr>
-          <p:cNvPr id="84" name="CustomShape 2"/>
+          <p:cNvPr id="120" name="CustomShape 2"/>
           <p:cNvSpPr/>
           <p:nvPr/>
         </p:nvSpPr>
         <p:spPr>
           <a:xfrm>
             <a:off x="504000" y="1769040"/>
-            <a:ext cx="4426560" cy="4383720"/>
+            <a:ext cx="4426200" cy="4383360"/>
           </a:xfrm>
           <a:prstGeom prst="rect">
             <a:avLst/>
@@ -3516,14 +4860,14 @@
       </p:sp>
       <p:sp>
         <p:nvSpPr>
-          <p:cNvPr id="85" name="CustomShape 3"/>
+          <p:cNvPr id="121" name="CustomShape 3"/>
           <p:cNvSpPr/>
           <p:nvPr/>
         </p:nvSpPr>
         <p:spPr>
           <a:xfrm>
             <a:off x="5152680" y="1769040"/>
-            <a:ext cx="4426560" cy="4383720"/>
+            <a:ext cx="4426200" cy="4383360"/>
           </a:xfrm>
           <a:prstGeom prst="rect">
             <a:avLst/>
@@ -3585,14 +4929,14 @@
       </p:grpSpPr>
       <p:sp>
         <p:nvSpPr>
-          <p:cNvPr id="86" name="CustomShape 1"/>
+          <p:cNvPr id="122" name="CustomShape 1"/>
           <p:cNvSpPr/>
           <p:nvPr/>
         </p:nvSpPr>
         <p:spPr>
           <a:xfrm>
             <a:off x="504000" y="301320"/>
-            <a:ext cx="9071280" cy="1261800"/>
+            <a:ext cx="9070920" cy="1261440"/>
           </a:xfrm>
           <a:prstGeom prst="rect">
             <a:avLst/>
@@ -3605,7 +4949,7 @@
       </p:sp>
       <p:pic>
         <p:nvPicPr>
-          <p:cNvPr id="87" name="" descr=""/>
+          <p:cNvPr id="123" name="" descr=""/>
           <p:cNvPicPr/>
           <p:nvPr/>
         </p:nvPicPr>
@@ -3618,7 +4962,7 @@
         <p:spPr>
           <a:xfrm>
             <a:off x="0" y="0"/>
-            <a:ext cx="10223640" cy="7559640"/>
+            <a:ext cx="10223280" cy="7559280"/>
           </a:xfrm>
           <a:prstGeom prst="rect">
             <a:avLst/>
@@ -3679,27 +5023,30 @@
       </p:grpSpPr>
       <p:sp>
         <p:nvSpPr>
-          <p:cNvPr id="88" name="CustomShape 1"/>
-          <p:cNvSpPr/>
+          <p:cNvPr id="124" name="TextShape 1"/>
+          <p:cNvSpPr txBox="1"/>
           <p:nvPr/>
         </p:nvSpPr>
         <p:spPr>
           <a:xfrm>
             <a:off x="504000" y="301320"/>
-            <a:ext cx="9071280" cy="1261800"/>
-          </a:xfrm>
-          <a:prstGeom prst="rect">
-            <a:avLst/>
-          </a:prstGeom>
-          <a:noFill/>
-          <a:ln>
-            <a:noFill/>
-          </a:ln>
-        </p:spPr>
+            <a:ext cx="9072000" cy="1261800"/>
+          </a:xfrm>
+          <a:prstGeom prst="rect">
+            <a:avLst/>
+          </a:prstGeom>
+        </p:spPr>
+        <p:txBody>
+          <a:bodyPr lIns="0" rIns="0" tIns="0" bIns="0" anchor="ctr"/>
+          <a:p>
+            <a:pPr algn="ctr"/>
+            <a:endParaRPr/>
+          </a:p>
+        </p:txBody>
       </p:sp>
       <p:pic>
         <p:nvPicPr>
-          <p:cNvPr id="89" name="" descr=""/>
+          <p:cNvPr id="125" name="" descr=""/>
           <p:cNvPicPr/>
           <p:nvPr/>
         </p:nvPicPr>
@@ -3712,7 +5059,7 @@
         <p:spPr>
           <a:xfrm>
             <a:off x="0" y="0"/>
-            <a:ext cx="10079640" cy="7919640"/>
+            <a:ext cx="10080720" cy="7559640"/>
           </a:xfrm>
           <a:prstGeom prst="rect">
             <a:avLst/>
@@ -4198,4 +5545,227 @@
     </a:fmtScheme>
   </a:themeElements>
 </a:theme>
+</file>
+
+<file path=ppt/theme/theme3.xml><?xml version="1.0" encoding="utf-8"?>
+<a:theme xmlns:a="http://schemas.openxmlformats.org/drawingml/2006/main" name="Office Theme">
+  <a:themeElements>
+    <a:clrScheme name="Office">
+      <a:dk1>
+        <a:sysClr val="windowText" lastClr="000000"/>
+      </a:dk1>
+      <a:lt1>
+        <a:sysClr val="window" lastClr="FFFFFF"/>
+      </a:lt1>
+      <a:dk2>
+        <a:srgbClr val="1F497D"/>
+      </a:dk2>
+      <a:lt2>
+        <a:srgbClr val="EEECE1"/>
+      </a:lt2>
+      <a:accent1>
+        <a:srgbClr val="4F81BD"/>
+      </a:accent1>
+      <a:accent2>
+        <a:srgbClr val="C0504D"/>
+      </a:accent2>
+      <a:accent3>
+        <a:srgbClr val="9BBB59"/>
+      </a:accent3>
+      <a:accent4>
+        <a:srgbClr val="8064A2"/>
+      </a:accent4>
+      <a:accent5>
+        <a:srgbClr val="4BACC6"/>
+      </a:accent5>
+      <a:accent6>
+        <a:srgbClr val="F79646"/>
+      </a:accent6>
+      <a:hlink>
+        <a:srgbClr val="0000FF"/>
+      </a:hlink>
+      <a:folHlink>
+        <a:srgbClr val="800080"/>
+      </a:folHlink>
+    </a:clrScheme>
+    <a:fontScheme name="Office">
+      <a:majorFont>
+        <a:latin typeface="Arial"/>
+        <a:ea typeface="DejaVu Sans"/>
+        <a:cs typeface="DejaVu Sans"/>
+      </a:majorFont>
+      <a:minorFont>
+        <a:latin typeface="Arial"/>
+        <a:ea typeface="DejaVu Sans"/>
+        <a:cs typeface="DejaVu Sans"/>
+      </a:minorFont>
+    </a:fontScheme>
+    <a:fmtScheme name="Office">
+      <a:fillStyleLst>
+        <a:solidFill>
+          <a:schemeClr val="phClr"/>
+        </a:solidFill>
+        <a:gradFill rotWithShape="1">
+          <a:gsLst>
+            <a:gs pos="0">
+              <a:schemeClr val="phClr">
+                <a:tint val="50000"/>
+                <a:satMod val="300000"/>
+              </a:schemeClr>
+            </a:gs>
+            <a:gs pos="35000">
+              <a:schemeClr val="phClr">
+                <a:tint val="37000"/>
+                <a:satMod val="300000"/>
+              </a:schemeClr>
+            </a:gs>
+            <a:gs pos="100000">
+              <a:schemeClr val="phClr">
+                <a:tint val="15000"/>
+                <a:satMod val="350000"/>
+              </a:schemeClr>
+            </a:gs>
+          </a:gsLst>
+          <a:lin ang="16200000" scaled="1"/>
+        </a:gradFill>
+        <a:gradFill rotWithShape="1">
+          <a:gsLst>
+            <a:gs pos="0">
+              <a:schemeClr val="phClr">
+                <a:shade val="51000"/>
+                <a:satMod val="130000"/>
+              </a:schemeClr>
+            </a:gs>
+            <a:gs pos="80000">
+              <a:schemeClr val="phClr">
+                <a:shade val="93000"/>
+                <a:satMod val="130000"/>
+              </a:schemeClr>
+            </a:gs>
+            <a:gs pos="100000">
+              <a:schemeClr val="phClr">
+                <a:shade val="94000"/>
+                <a:satMod val="135000"/>
+              </a:schemeClr>
+            </a:gs>
+          </a:gsLst>
+          <a:lin ang="16200000" scaled="0"/>
+        </a:gradFill>
+      </a:fillStyleLst>
+      <a:lnStyleLst>
+        <a:ln w="9525" cap="flat" cmpd="sng" algn="ctr">
+          <a:solidFill>
+            <a:schemeClr val="phClr">
+              <a:shade val="95000"/>
+              <a:satMod val="105000"/>
+            </a:schemeClr>
+          </a:solidFill>
+          <a:prstDash val="solid"/>
+        </a:ln>
+        <a:ln w="25400" cap="flat" cmpd="sng" algn="ctr">
+          <a:solidFill>
+            <a:schemeClr val="phClr"/>
+          </a:solidFill>
+          <a:prstDash val="solid"/>
+        </a:ln>
+        <a:ln w="38100" cap="flat" cmpd="sng" algn="ctr">
+          <a:solidFill>
+            <a:schemeClr val="phClr"/>
+          </a:solidFill>
+          <a:prstDash val="solid"/>
+        </a:ln>
+      </a:lnStyleLst>
+      <a:effectStyleLst>
+        <a:effectStyle>
+          <a:effectLst>
+            <a:outerShdw blurRad="40000" dist="20000" dir="5400000" rotWithShape="0">
+              <a:srgbClr val="000000">
+                <a:alpha val="38000"/>
+              </a:srgbClr>
+            </a:outerShdw>
+          </a:effectLst>
+        </a:effectStyle>
+        <a:effectStyle>
+          <a:effectLst>
+            <a:outerShdw blurRad="40000" dist="23000" dir="5400000" rotWithShape="0">
+              <a:srgbClr val="000000">
+                <a:alpha val="35000"/>
+              </a:srgbClr>
+            </a:outerShdw>
+          </a:effectLst>
+        </a:effectStyle>
+        <a:effectStyle>
+          <a:effectLst>
+            <a:outerShdw blurRad="40000" dist="23000" dir="5400000" rotWithShape="0">
+              <a:srgbClr val="000000">
+                <a:alpha val="35000"/>
+              </a:srgbClr>
+            </a:outerShdw>
+          </a:effectLst>
+          <a:scene3d>
+            <a:camera prst="orthographicFront">
+              <a:rot lat="0" lon="0" rev="0"/>
+            </a:camera>
+            <a:lightRig rig="threePt" dir="t">
+              <a:rot lat="0" lon="0" rev="1200000"/>
+            </a:lightRig>
+          </a:scene3d>
+          <a:sp3d>
+            <a:bevelT w="63500" h="25400"/>
+          </a:sp3d>
+        </a:effectStyle>
+      </a:effectStyleLst>
+      <a:bgFillStyleLst>
+        <a:solidFill>
+          <a:schemeClr val="phClr"/>
+        </a:solidFill>
+        <a:gradFill rotWithShape="1">
+          <a:gsLst>
+            <a:gs pos="0">
+              <a:schemeClr val="phClr">
+                <a:tint val="40000"/>
+                <a:satMod val="350000"/>
+              </a:schemeClr>
+            </a:gs>
+            <a:gs pos="40000">
+              <a:schemeClr val="phClr">
+                <a:tint val="45000"/>
+                <a:shade val="99000"/>
+                <a:satMod val="350000"/>
+              </a:schemeClr>
+            </a:gs>
+            <a:gs pos="100000">
+              <a:schemeClr val="phClr">
+                <a:shade val="20000"/>
+                <a:satMod val="255000"/>
+              </a:schemeClr>
+            </a:gs>
+          </a:gsLst>
+          <a:path path="circle">
+            <a:fillToRect l="50000" t="-80000" r="50000" b="180000"/>
+          </a:path>
+        </a:gradFill>
+        <a:gradFill rotWithShape="1">
+          <a:gsLst>
+            <a:gs pos="0">
+              <a:schemeClr val="phClr">
+                <a:tint val="80000"/>
+                <a:satMod val="300000"/>
+              </a:schemeClr>
+            </a:gs>
+            <a:gs pos="100000">
+              <a:schemeClr val="phClr">
+                <a:shade val="30000"/>
+                <a:satMod val="200000"/>
+              </a:schemeClr>
+            </a:gs>
+          </a:gsLst>
+          <a:path path="circle">
+            <a:fillToRect l="50000" t="50000" r="50000" b="50000"/>
+          </a:path>
+        </a:gradFill>
+      </a:bgFillStyleLst>
+    </a:fmtScheme>
+  </a:themeElements>
+</a:theme>
 </file>